--- a/rel-unity-src/xr_introduction/xr_introduction.pptx
+++ b/rel-unity-src/xr_introduction/xr_introduction.pptx
@@ -5,15 +5,14 @@
     <p:sldMasterId id="2147483648" r:id="rId1"/>
   </p:sldMasterIdLst>
   <p:sldIdLst>
-    <p:sldId id="3024" r:id="rId2"/>
-    <p:sldId id="3025" r:id="rId3"/>
-    <p:sldId id="3020" r:id="rId4"/>
-    <p:sldId id="3017" r:id="rId5"/>
-    <p:sldId id="3023" r:id="rId6"/>
-    <p:sldId id="3021" r:id="rId7"/>
-    <p:sldId id="3018" r:id="rId8"/>
-    <p:sldId id="3019" r:id="rId9"/>
-    <p:sldId id="3022" r:id="rId10"/>
+    <p:sldId id="3029" r:id="rId2"/>
+    <p:sldId id="3030" r:id="rId3"/>
+    <p:sldId id="3027" r:id="rId4"/>
+    <p:sldId id="3035" r:id="rId5"/>
+    <p:sldId id="3036" r:id="rId6"/>
+    <p:sldId id="3037" r:id="rId7"/>
+    <p:sldId id="3038" r:id="rId8"/>
+    <p:sldId id="3039" r:id="rId9"/>
   </p:sldIdLst>
   <p:sldSz cx="12192000" cy="6858000"/>
   <p:notesSz cx="6858000" cy="9144000"/>
@@ -112,7 +111,200 @@
       </a:defRPr>
     </a:lvl9pPr>
   </p:defaultTextStyle>
+  <p:extLst>
+    <p:ext uri="{EFAFB233-063F-42B5-8137-9DF3F51BA10A}">
+      <p15:sldGuideLst xmlns:p15="http://schemas.microsoft.com/office/powerpoint/2012/main"/>
+    </p:ext>
+  </p:extLst>
 </p:presentation>
+</file>
+
+<file path=ppt/revisionInfo.xml><?xml version="1.0" encoding="utf-8"?>
+<p1510:revInfo xmlns:a="http://schemas.openxmlformats.org/drawingml/2006/main" xmlns:r="http://schemas.openxmlformats.org/officeDocument/2006/relationships" xmlns:p1510="http://schemas.microsoft.com/office/powerpoint/2015/10/main">
+  <p1510:revLst>
+    <p1510:client id="{1701D5F9-A66A-4459-8DDC-EBBA522D29EE}" v="54" dt="2022-11-07T23:00:03.104"/>
+    <p1510:client id="{FD43B4F8-F740-4C1F-ABAC-8576E74F27DE}" v="13" dt="2022-11-08T14:43:48.944"/>
+  </p1510:revLst>
+</p1510:revInfo>
+</file>
+
+<file path=ppt/changesInfos/changesInfo1.xml><?xml version="1.0" encoding="utf-8"?>
+<pc:chgInfo xmlns:a="http://schemas.openxmlformats.org/drawingml/2006/main" xmlns:r="http://schemas.openxmlformats.org/officeDocument/2006/relationships" xmlns:ac="http://schemas.microsoft.com/office/drawing/2013/main/command" xmlns:pc="http://schemas.microsoft.com/office/powerpoint/2013/main/command">
+  <pc:docChgLst>
+    <pc:chgData name="Thomas O Fredericks" userId="9a40f032a9b16fc7" providerId="LiveId" clId="{FD43B4F8-F740-4C1F-ABAC-8576E74F27DE}"/>
+    <pc:docChg chg="undo custSel addSld modSld">
+      <pc:chgData name="Thomas O Fredericks" userId="9a40f032a9b16fc7" providerId="LiveId" clId="{FD43B4F8-F740-4C1F-ABAC-8576E74F27DE}" dt="2022-11-08T14:43:55.238" v="46" actId="14100"/>
+      <pc:docMkLst>
+        <pc:docMk/>
+      </pc:docMkLst>
+      <pc:sldChg chg="delSp modSp">
+        <pc:chgData name="Thomas O Fredericks" userId="9a40f032a9b16fc7" providerId="LiveId" clId="{FD43B4F8-F740-4C1F-ABAC-8576E74F27DE}" dt="2022-11-08T14:42:02.430" v="18" actId="1076"/>
+        <pc:sldMkLst>
+          <pc:docMk/>
+          <pc:sldMk cId="751320402" sldId="3035"/>
+        </pc:sldMkLst>
+        <pc:grpChg chg="del">
+          <ac:chgData name="Thomas O Fredericks" userId="9a40f032a9b16fc7" providerId="LiveId" clId="{FD43B4F8-F740-4C1F-ABAC-8576E74F27DE}" dt="2022-11-08T14:41:59.671" v="16" actId="165"/>
+          <ac:grpSpMkLst>
+            <pc:docMk/>
+            <pc:sldMk cId="751320402" sldId="3035"/>
+            <ac:grpSpMk id="11" creationId="{C9B5A71B-4FB0-489A-AF0F-41A6C09C1228}"/>
+          </ac:grpSpMkLst>
+        </pc:grpChg>
+        <pc:picChg chg="mod topLvl">
+          <ac:chgData name="Thomas O Fredericks" userId="9a40f032a9b16fc7" providerId="LiveId" clId="{FD43B4F8-F740-4C1F-ABAC-8576E74F27DE}" dt="2022-11-08T14:41:59.671" v="16" actId="165"/>
+          <ac:picMkLst>
+            <pc:docMk/>
+            <pc:sldMk cId="751320402" sldId="3035"/>
+            <ac:picMk id="6" creationId="{8D443EC3-0DAE-47BD-BB80-389C529CB9A7}"/>
+          </ac:picMkLst>
+        </pc:picChg>
+        <pc:picChg chg="mod topLvl">
+          <ac:chgData name="Thomas O Fredericks" userId="9a40f032a9b16fc7" providerId="LiveId" clId="{FD43B4F8-F740-4C1F-ABAC-8576E74F27DE}" dt="2022-11-08T14:41:59.671" v="16" actId="165"/>
+          <ac:picMkLst>
+            <pc:docMk/>
+            <pc:sldMk cId="751320402" sldId="3035"/>
+            <ac:picMk id="7" creationId="{8FE3BEB8-5240-4106-B292-263DDDEAEE8B}"/>
+          </ac:picMkLst>
+        </pc:picChg>
+        <pc:picChg chg="mod topLvl">
+          <ac:chgData name="Thomas O Fredericks" userId="9a40f032a9b16fc7" providerId="LiveId" clId="{FD43B4F8-F740-4C1F-ABAC-8576E74F27DE}" dt="2022-11-08T14:41:59.671" v="16" actId="165"/>
+          <ac:picMkLst>
+            <pc:docMk/>
+            <pc:sldMk cId="751320402" sldId="3035"/>
+            <ac:picMk id="8" creationId="{168C6343-2E2A-47C1-B0B2-30A9CE549166}"/>
+          </ac:picMkLst>
+        </pc:picChg>
+        <pc:picChg chg="mod topLvl">
+          <ac:chgData name="Thomas O Fredericks" userId="9a40f032a9b16fc7" providerId="LiveId" clId="{FD43B4F8-F740-4C1F-ABAC-8576E74F27DE}" dt="2022-11-08T14:42:02.430" v="18" actId="1076"/>
+          <ac:picMkLst>
+            <pc:docMk/>
+            <pc:sldMk cId="751320402" sldId="3035"/>
+            <ac:picMk id="9" creationId="{68E167E3-BB67-4FA0-BC23-30EC575DBF98}"/>
+          </ac:picMkLst>
+        </pc:picChg>
+        <pc:picChg chg="mod topLvl">
+          <ac:chgData name="Thomas O Fredericks" userId="9a40f032a9b16fc7" providerId="LiveId" clId="{FD43B4F8-F740-4C1F-ABAC-8576E74F27DE}" dt="2022-11-08T14:41:59.671" v="16" actId="165"/>
+          <ac:picMkLst>
+            <pc:docMk/>
+            <pc:sldMk cId="751320402" sldId="3035"/>
+            <ac:picMk id="10" creationId="{9D4AC535-3131-4544-9A22-E1EDFEF40F53}"/>
+          </ac:picMkLst>
+        </pc:picChg>
+      </pc:sldChg>
+      <pc:sldChg chg="addSp delSp modSp">
+        <pc:chgData name="Thomas O Fredericks" userId="9a40f032a9b16fc7" providerId="LiveId" clId="{FD43B4F8-F740-4C1F-ABAC-8576E74F27DE}" dt="2022-11-08T14:42:42.472" v="34" actId="14100"/>
+        <pc:sldMkLst>
+          <pc:docMk/>
+          <pc:sldMk cId="1051496607" sldId="3036"/>
+        </pc:sldMkLst>
+        <pc:spChg chg="add mod">
+          <ac:chgData name="Thomas O Fredericks" userId="9a40f032a9b16fc7" providerId="LiveId" clId="{FD43B4F8-F740-4C1F-ABAC-8576E74F27DE}" dt="2022-11-08T14:42:26.983" v="25" actId="14100"/>
+          <ac:spMkLst>
+            <pc:docMk/>
+            <pc:sldMk cId="1051496607" sldId="3036"/>
+            <ac:spMk id="10" creationId="{CCE38F9B-9B1E-4FD8-8B53-B701A79C1227}"/>
+          </ac:spMkLst>
+        </pc:spChg>
+        <pc:spChg chg="add mod">
+          <ac:chgData name="Thomas O Fredericks" userId="9a40f032a9b16fc7" providerId="LiveId" clId="{FD43B4F8-F740-4C1F-ABAC-8576E74F27DE}" dt="2022-11-08T14:42:33.236" v="30" actId="1076"/>
+          <ac:spMkLst>
+            <pc:docMk/>
+            <pc:sldMk cId="1051496607" sldId="3036"/>
+            <ac:spMk id="11" creationId="{0D7A1C79-FE31-42E9-8F2A-4F6BEBDFF5E3}"/>
+          </ac:spMkLst>
+        </pc:spChg>
+        <pc:grpChg chg="del">
+          <ac:chgData name="Thomas O Fredericks" userId="9a40f032a9b16fc7" providerId="LiveId" clId="{FD43B4F8-F740-4C1F-ABAC-8576E74F27DE}" dt="2022-11-08T14:40:17.992" v="0" actId="478"/>
+          <ac:grpSpMkLst>
+            <pc:docMk/>
+            <pc:sldMk cId="1051496607" sldId="3036"/>
+            <ac:grpSpMk id="8" creationId="{851FA232-E428-4607-9FE1-888E38B06FE1}"/>
+          </ac:grpSpMkLst>
+        </pc:grpChg>
+        <pc:picChg chg="add mod">
+          <ac:chgData name="Thomas O Fredericks" userId="9a40f032a9b16fc7" providerId="LiveId" clId="{FD43B4F8-F740-4C1F-ABAC-8576E74F27DE}" dt="2022-11-08T14:41:22.150" v="8" actId="1076"/>
+          <ac:picMkLst>
+            <pc:docMk/>
+            <pc:sldMk cId="1051496607" sldId="3036"/>
+            <ac:picMk id="2" creationId="{8E5352F7-A989-4656-B874-C41EA92998C1}"/>
+          </ac:picMkLst>
+        </pc:picChg>
+        <pc:picChg chg="add del mod">
+          <ac:chgData name="Thomas O Fredericks" userId="9a40f032a9b16fc7" providerId="LiveId" clId="{FD43B4F8-F740-4C1F-ABAC-8576E74F27DE}" dt="2022-11-08T14:41:20.400" v="6" actId="478"/>
+          <ac:picMkLst>
+            <pc:docMk/>
+            <pc:sldMk cId="1051496607" sldId="3036"/>
+            <ac:picMk id="4" creationId="{B25E6C18-6261-4C98-813E-0426962D1DAC}"/>
+          </ac:picMkLst>
+        </pc:picChg>
+        <pc:picChg chg="add mod">
+          <ac:chgData name="Thomas O Fredericks" userId="9a40f032a9b16fc7" providerId="LiveId" clId="{FD43B4F8-F740-4C1F-ABAC-8576E74F27DE}" dt="2022-11-08T14:42:29.388" v="28" actId="1076"/>
+          <ac:picMkLst>
+            <pc:docMk/>
+            <pc:sldMk cId="1051496607" sldId="3036"/>
+            <ac:picMk id="5" creationId="{60F55360-9BF3-45A9-B5EF-6D3D2FB83FEA}"/>
+          </ac:picMkLst>
+        </pc:picChg>
+        <pc:cxnChg chg="add mod">
+          <ac:chgData name="Thomas O Fredericks" userId="9a40f032a9b16fc7" providerId="LiveId" clId="{FD43B4F8-F740-4C1F-ABAC-8576E74F27DE}" dt="2022-11-08T14:42:13.094" v="21" actId="14100"/>
+          <ac:cxnSpMkLst>
+            <pc:docMk/>
+            <pc:sldMk cId="1051496607" sldId="3036"/>
+            <ac:cxnSpMk id="9" creationId="{84E5FA4B-DCA4-434F-9F45-64108ACC3EFB}"/>
+          </ac:cxnSpMkLst>
+        </pc:cxnChg>
+        <pc:cxnChg chg="add mod">
+          <ac:chgData name="Thomas O Fredericks" userId="9a40f032a9b16fc7" providerId="LiveId" clId="{FD43B4F8-F740-4C1F-ABAC-8576E74F27DE}" dt="2022-11-08T14:42:42.472" v="34" actId="14100"/>
+          <ac:cxnSpMkLst>
+            <pc:docMk/>
+            <pc:sldMk cId="1051496607" sldId="3036"/>
+            <ac:cxnSpMk id="12" creationId="{247EFBE3-74F2-4A02-9EA6-3643BD80D6B5}"/>
+          </ac:cxnSpMkLst>
+        </pc:cxnChg>
+      </pc:sldChg>
+      <pc:sldChg chg="addSp modSp add">
+        <pc:chgData name="Thomas O Fredericks" userId="9a40f032a9b16fc7" providerId="LiveId" clId="{FD43B4F8-F740-4C1F-ABAC-8576E74F27DE}" dt="2022-11-08T14:43:55.238" v="46" actId="14100"/>
+        <pc:sldMkLst>
+          <pc:docMk/>
+          <pc:sldMk cId="2047569096" sldId="3039"/>
+        </pc:sldMkLst>
+        <pc:spChg chg="add mod">
+          <ac:chgData name="Thomas O Fredericks" userId="9a40f032a9b16fc7" providerId="LiveId" clId="{FD43B4F8-F740-4C1F-ABAC-8576E74F27DE}" dt="2022-11-08T14:43:42.210" v="40" actId="14100"/>
+          <ac:spMkLst>
+            <pc:docMk/>
+            <pc:sldMk cId="2047569096" sldId="3039"/>
+            <ac:spMk id="3" creationId="{F5C4C4DD-1B84-4695-B7A3-B1ADB350E870}"/>
+          </ac:spMkLst>
+        </pc:spChg>
+        <pc:spChg chg="add mod">
+          <ac:chgData name="Thomas O Fredericks" userId="9a40f032a9b16fc7" providerId="LiveId" clId="{FD43B4F8-F740-4C1F-ABAC-8576E74F27DE}" dt="2022-11-08T14:43:48.825" v="43" actId="14100"/>
+          <ac:spMkLst>
+            <pc:docMk/>
+            <pc:sldMk cId="2047569096" sldId="3039"/>
+            <ac:spMk id="4" creationId="{34F04D60-0C5E-4BAF-ACC7-D1AF6647FC18}"/>
+          </ac:spMkLst>
+        </pc:spChg>
+        <pc:spChg chg="add mod">
+          <ac:chgData name="Thomas O Fredericks" userId="9a40f032a9b16fc7" providerId="LiveId" clId="{FD43B4F8-F740-4C1F-ABAC-8576E74F27DE}" dt="2022-11-08T14:43:55.238" v="46" actId="14100"/>
+          <ac:spMkLst>
+            <pc:docMk/>
+            <pc:sldMk cId="2047569096" sldId="3039"/>
+            <ac:spMk id="5" creationId="{5D7E6843-4800-4716-AA56-A06CD14F6D38}"/>
+          </ac:spMkLst>
+        </pc:spChg>
+        <pc:picChg chg="add mod">
+          <ac:chgData name="Thomas O Fredericks" userId="9a40f032a9b16fc7" providerId="LiveId" clId="{FD43B4F8-F740-4C1F-ABAC-8576E74F27DE}" dt="2022-11-08T14:43:10.923" v="37" actId="1076"/>
+          <ac:picMkLst>
+            <pc:docMk/>
+            <pc:sldMk cId="2047569096" sldId="3039"/>
+            <ac:picMk id="2" creationId="{6B39F103-13EF-4824-8DF3-A0B592E77950}"/>
+          </ac:picMkLst>
+        </pc:picChg>
+      </pc:sldChg>
+    </pc:docChg>
+  </pc:docChgLst>
+</pc:chgInfo>
 </file>
 
 <file path=ppt/slideLayouts/slideLayout1.xml><?xml version="1.0" encoding="utf-8"?>
@@ -264,7 +456,7 @@
           <a:p>
             <a:fld id="{633D0247-63F9-49CE-83E2-2817BB7501FB}" type="datetimeFigureOut">
               <a:rPr lang="fr-CA" smtClean="0"/>
-              <a:t>2022-10-27</a:t>
+              <a:t>2022-11-08</a:t>
             </a:fld>
             <a:endParaRPr lang="fr-CA"/>
           </a:p>
@@ -464,7 +656,7 @@
           <a:p>
             <a:fld id="{633D0247-63F9-49CE-83E2-2817BB7501FB}" type="datetimeFigureOut">
               <a:rPr lang="fr-CA" smtClean="0"/>
-              <a:t>2022-10-27</a:t>
+              <a:t>2022-11-08</a:t>
             </a:fld>
             <a:endParaRPr lang="fr-CA"/>
           </a:p>
@@ -674,7 +866,7 @@
           <a:p>
             <a:fld id="{633D0247-63F9-49CE-83E2-2817BB7501FB}" type="datetimeFigureOut">
               <a:rPr lang="fr-CA" smtClean="0"/>
-              <a:t>2022-10-27</a:t>
+              <a:t>2022-11-08</a:t>
             </a:fld>
             <a:endParaRPr lang="fr-CA"/>
           </a:p>
@@ -874,7 +1066,7 @@
           <a:p>
             <a:fld id="{633D0247-63F9-49CE-83E2-2817BB7501FB}" type="datetimeFigureOut">
               <a:rPr lang="fr-CA" smtClean="0"/>
-              <a:t>2022-10-27</a:t>
+              <a:t>2022-11-08</a:t>
             </a:fld>
             <a:endParaRPr lang="fr-CA"/>
           </a:p>
@@ -1150,7 +1342,7 @@
           <a:p>
             <a:fld id="{633D0247-63F9-49CE-83E2-2817BB7501FB}" type="datetimeFigureOut">
               <a:rPr lang="fr-CA" smtClean="0"/>
-              <a:t>2022-10-27</a:t>
+              <a:t>2022-11-08</a:t>
             </a:fld>
             <a:endParaRPr lang="fr-CA"/>
           </a:p>
@@ -1418,7 +1610,7 @@
           <a:p>
             <a:fld id="{633D0247-63F9-49CE-83E2-2817BB7501FB}" type="datetimeFigureOut">
               <a:rPr lang="fr-CA" smtClean="0"/>
-              <a:t>2022-10-27</a:t>
+              <a:t>2022-11-08</a:t>
             </a:fld>
             <a:endParaRPr lang="fr-CA"/>
           </a:p>
@@ -1833,7 +2025,7 @@
           <a:p>
             <a:fld id="{633D0247-63F9-49CE-83E2-2817BB7501FB}" type="datetimeFigureOut">
               <a:rPr lang="fr-CA" smtClean="0"/>
-              <a:t>2022-10-27</a:t>
+              <a:t>2022-11-08</a:t>
             </a:fld>
             <a:endParaRPr lang="fr-CA"/>
           </a:p>
@@ -1975,7 +2167,7 @@
           <a:p>
             <a:fld id="{633D0247-63F9-49CE-83E2-2817BB7501FB}" type="datetimeFigureOut">
               <a:rPr lang="fr-CA" smtClean="0"/>
-              <a:t>2022-10-27</a:t>
+              <a:t>2022-11-08</a:t>
             </a:fld>
             <a:endParaRPr lang="fr-CA"/>
           </a:p>
@@ -2088,7 +2280,7 @@
           <a:p>
             <a:fld id="{633D0247-63F9-49CE-83E2-2817BB7501FB}" type="datetimeFigureOut">
               <a:rPr lang="fr-CA" smtClean="0"/>
-              <a:t>2022-10-27</a:t>
+              <a:t>2022-11-08</a:t>
             </a:fld>
             <a:endParaRPr lang="fr-CA"/>
           </a:p>
@@ -2401,7 +2593,7 @@
           <a:p>
             <a:fld id="{633D0247-63F9-49CE-83E2-2817BB7501FB}" type="datetimeFigureOut">
               <a:rPr lang="fr-CA" smtClean="0"/>
-              <a:t>2022-10-27</a:t>
+              <a:t>2022-11-08</a:t>
             </a:fld>
             <a:endParaRPr lang="fr-CA"/>
           </a:p>
@@ -2690,7 +2882,7 @@
           <a:p>
             <a:fld id="{633D0247-63F9-49CE-83E2-2817BB7501FB}" type="datetimeFigureOut">
               <a:rPr lang="fr-CA" smtClean="0"/>
-              <a:t>2022-10-27</a:t>
+              <a:t>2022-11-08</a:t>
             </a:fld>
             <a:endParaRPr lang="fr-CA"/>
           </a:p>
@@ -2933,7 +3125,7 @@
           <a:p>
             <a:fld id="{633D0247-63F9-49CE-83E2-2817BB7501FB}" type="datetimeFigureOut">
               <a:rPr lang="fr-CA" smtClean="0"/>
-              <a:t>2022-10-27</a:t>
+              <a:t>2022-11-08</a:t>
             </a:fld>
             <a:endParaRPr lang="fr-CA"/>
           </a:p>
@@ -3350,203 +3542,315 @@
           <a:chExt cx="0" cy="0"/>
         </a:xfrm>
       </p:grpSpPr>
-      <p:sp>
-        <p:nvSpPr>
-          <p:cNvPr id="2" name="Titre 1">
-            <a:extLst>
-              <a:ext uri="{FF2B5EF4-FFF2-40B4-BE49-F238E27FC236}">
-                <a16:creationId xmlns:a16="http://schemas.microsoft.com/office/drawing/2014/main" id="{C8FAFB21-4E6A-4DA3-AE53-9A53CEBC5048}"/>
-              </a:ext>
-            </a:extLst>
-          </p:cNvPr>
-          <p:cNvSpPr>
-            <a:spLocks noGrp="1"/>
-          </p:cNvSpPr>
-          <p:nvPr>
-            <p:ph type="title"/>
-          </p:nvPr>
-        </p:nvSpPr>
-        <p:spPr/>
-        <p:txBody>
-          <a:bodyPr>
-            <a:normAutofit/>
-          </a:bodyPr>
-          <a:lstStyle/>
-          <a:p>
-            <a:endParaRPr lang="fr-CA"/>
-          </a:p>
-        </p:txBody>
-      </p:sp>
-      <p:sp>
-        <p:nvSpPr>
-          <p:cNvPr id="3" name="Espace réservé du contenu 2">
-            <a:extLst>
-              <a:ext uri="{FF2B5EF4-FFF2-40B4-BE49-F238E27FC236}">
-                <a16:creationId xmlns:a16="http://schemas.microsoft.com/office/drawing/2014/main" id="{E406DFF7-B575-45A6-9BE5-1347CE4152FF}"/>
-              </a:ext>
-            </a:extLst>
-          </p:cNvPr>
-          <p:cNvSpPr>
-            <a:spLocks noGrp="1"/>
-          </p:cNvSpPr>
-          <p:nvPr>
-            <p:ph idx="1"/>
-          </p:nvPr>
-        </p:nvSpPr>
-        <p:spPr/>
-        <p:txBody>
-          <a:bodyPr>
-            <a:normAutofit fontScale="92500" lnSpcReduction="20000"/>
-          </a:bodyPr>
-          <a:lstStyle/>
-          <a:p>
-            <a:r>
-              <a:rPr lang="fr-CA" dirty="0"/>
-              <a:t>https://www.youtube.com/watch?v=yxMzAw2Sg5w</a:t>
-            </a:r>
-          </a:p>
-          <a:p>
-            <a:r>
-              <a:rPr lang="fr-CA" dirty="0"/>
-              <a:t>XR Plug-in Management</a:t>
-            </a:r>
-          </a:p>
-          <a:p>
-            <a:pPr lvl="1"/>
-            <a:r>
-              <a:rPr lang="fr-CA" dirty="0"/>
-              <a:t>Install XR Plug-in Management</a:t>
-            </a:r>
-          </a:p>
-          <a:p>
-            <a:pPr lvl="1"/>
-            <a:r>
-              <a:rPr lang="fr-CA" dirty="0"/>
-              <a:t>Plug-in Providers : </a:t>
-            </a:r>
-            <a:r>
-              <a:rPr lang="fr-CA" dirty="0" err="1"/>
-              <a:t>OpenXR</a:t>
-            </a:r>
-            <a:endParaRPr lang="fr-CA" dirty="0"/>
-          </a:p>
-          <a:p>
-            <a:pPr lvl="2"/>
-            <a:r>
-              <a:rPr lang="fr-CA" dirty="0"/>
-              <a:t>[YES] to new Input System</a:t>
-            </a:r>
-          </a:p>
-          <a:p>
-            <a:pPr lvl="2"/>
-            <a:r>
-              <a:rPr lang="fr-CA" dirty="0"/>
-              <a:t>Click [Warning Symbol] and click interaction profiles for Open XR</a:t>
-            </a:r>
-          </a:p>
-          <a:p>
-            <a:pPr lvl="1"/>
-            <a:r>
-              <a:rPr lang="fr-CA" dirty="0"/>
-              <a:t> </a:t>
-            </a:r>
-            <a:r>
-              <a:rPr lang="fr-CA" dirty="0" err="1"/>
-              <a:t>OpenXR</a:t>
-            </a:r>
-            <a:endParaRPr lang="fr-CA" dirty="0"/>
-          </a:p>
-          <a:p>
-            <a:pPr lvl="2"/>
-            <a:r>
-              <a:rPr lang="fr-CA" dirty="0" err="1"/>
-              <a:t>Add</a:t>
-            </a:r>
-            <a:r>
-              <a:rPr lang="fr-CA" dirty="0"/>
-              <a:t> Interaction Profiles</a:t>
-            </a:r>
-          </a:p>
-          <a:p>
-            <a:pPr lvl="2"/>
-            <a:r>
-              <a:rPr lang="fr-CA" dirty="0" err="1"/>
-              <a:t>Render</a:t>
-            </a:r>
-            <a:r>
-              <a:rPr lang="fr-CA" dirty="0"/>
-              <a:t> Mode : Multi </a:t>
-            </a:r>
-            <a:r>
-              <a:rPr lang="fr-CA" dirty="0" err="1"/>
-              <a:t>Pass</a:t>
-            </a:r>
-            <a:endParaRPr lang="fr-CA" dirty="0"/>
-          </a:p>
-          <a:p>
-            <a:r>
-              <a:rPr lang="fr-CA" dirty="0"/>
-              <a:t>Install XR Interaction Toolkit</a:t>
-            </a:r>
-          </a:p>
-          <a:p>
-            <a:pPr lvl="1"/>
-            <a:r>
-              <a:rPr lang="fr-CA" dirty="0"/>
-              <a:t>Package manager </a:t>
-            </a:r>
-            <a:r>
-              <a:rPr lang="fr-CA" dirty="0" err="1"/>
-              <a:t>activate</a:t>
-            </a:r>
-            <a:r>
-              <a:rPr lang="fr-CA" dirty="0"/>
-              <a:t> </a:t>
-            </a:r>
-            <a:r>
-              <a:rPr lang="fr-CA" dirty="0" err="1"/>
-              <a:t>preview</a:t>
-            </a:r>
-            <a:r>
-              <a:rPr lang="fr-CA" dirty="0"/>
-              <a:t> </a:t>
-            </a:r>
-          </a:p>
-          <a:p>
-            <a:pPr lvl="1"/>
-            <a:r>
-              <a:rPr lang="fr-CA" dirty="0"/>
-              <a:t>Click [I Made a Backup]</a:t>
-            </a:r>
-          </a:p>
-          <a:p>
-            <a:pPr lvl="1"/>
-            <a:r>
-              <a:rPr lang="fr-CA" dirty="0" err="1"/>
-              <a:t>Add</a:t>
-            </a:r>
-            <a:r>
-              <a:rPr lang="fr-CA" dirty="0"/>
-              <a:t> </a:t>
-            </a:r>
-            <a:r>
-              <a:rPr lang="fr-CA" dirty="0" err="1"/>
-              <a:t>Samples</a:t>
-            </a:r>
-            <a:r>
-              <a:rPr lang="fr-CA" dirty="0"/>
-              <a:t> : Default Input Actions</a:t>
-            </a:r>
-          </a:p>
-          <a:p>
-            <a:endParaRPr lang="fr-CA" dirty="0"/>
+      <p:pic>
+        <p:nvPicPr>
+          <p:cNvPr id="2" name="Image 1">
+            <a:extLst>
+              <a:ext uri="{FF2B5EF4-FFF2-40B4-BE49-F238E27FC236}">
+                <a16:creationId xmlns:a16="http://schemas.microsoft.com/office/drawing/2014/main" id="{083D8FD8-C3B5-4B92-94E0-97B66D413AC1}"/>
+              </a:ext>
+            </a:extLst>
+          </p:cNvPr>
+          <p:cNvPicPr>
+            <a:picLocks noChangeAspect="1"/>
+          </p:cNvPicPr>
+          <p:nvPr/>
+        </p:nvPicPr>
+        <p:blipFill>
+          <a:blip r:embed="rId2"/>
+          <a:stretch>
+            <a:fillRect/>
+          </a:stretch>
+        </p:blipFill>
+        <p:spPr>
+          <a:xfrm>
+            <a:off x="7379080" y="0"/>
+            <a:ext cx="3917766" cy="6858000"/>
+          </a:xfrm>
+          <a:prstGeom prst="rect">
+            <a:avLst/>
+          </a:prstGeom>
+        </p:spPr>
+      </p:pic>
+      <p:pic>
+        <p:nvPicPr>
+          <p:cNvPr id="4" name="Image 3">
+            <a:extLst>
+              <a:ext uri="{FF2B5EF4-FFF2-40B4-BE49-F238E27FC236}">
+                <a16:creationId xmlns:a16="http://schemas.microsoft.com/office/drawing/2014/main" id="{209B5F35-05E3-493F-BD69-9C0AD1054E01}"/>
+              </a:ext>
+            </a:extLst>
+          </p:cNvPr>
+          <p:cNvPicPr>
+            <a:picLocks noChangeAspect="1"/>
+          </p:cNvPicPr>
+          <p:nvPr/>
+        </p:nvPicPr>
+        <p:blipFill>
+          <a:blip r:embed="rId3"/>
+          <a:stretch>
+            <a:fillRect/>
+          </a:stretch>
+        </p:blipFill>
+        <p:spPr>
+          <a:xfrm>
+            <a:off x="1392646" y="280548"/>
+            <a:ext cx="4839375" cy="6296904"/>
+          </a:xfrm>
+          <a:prstGeom prst="rect">
+            <a:avLst/>
+          </a:prstGeom>
+        </p:spPr>
+      </p:pic>
+      <p:sp>
+        <p:nvSpPr>
+          <p:cNvPr id="5" name="Ellipse 4">
+            <a:extLst>
+              <a:ext uri="{FF2B5EF4-FFF2-40B4-BE49-F238E27FC236}">
+                <a16:creationId xmlns:a16="http://schemas.microsoft.com/office/drawing/2014/main" id="{0DBAB28D-6ED1-48BE-86AC-24F792AAA215}"/>
+              </a:ext>
+            </a:extLst>
+          </p:cNvPr>
+          <p:cNvSpPr/>
+          <p:nvPr/>
+        </p:nvSpPr>
+        <p:spPr>
+          <a:xfrm>
+            <a:off x="4172989" y="355364"/>
+            <a:ext cx="457201" cy="457201"/>
+          </a:xfrm>
+          <a:prstGeom prst="ellipse">
+            <a:avLst/>
+          </a:prstGeom>
+          <a:noFill/>
+          <a:ln w="76200"/>
+        </p:spPr>
+        <p:style>
+          <a:lnRef idx="2">
+            <a:schemeClr val="accent1">
+              <a:shade val="50000"/>
+            </a:schemeClr>
+          </a:lnRef>
+          <a:fillRef idx="1">
+            <a:schemeClr val="accent1"/>
+          </a:fillRef>
+          <a:effectRef idx="0">
+            <a:schemeClr val="accent1"/>
+          </a:effectRef>
+          <a:fontRef idx="minor">
+            <a:schemeClr val="lt1"/>
+          </a:fontRef>
+        </p:style>
+        <p:txBody>
+          <a:bodyPr rtlCol="0" anchor="ctr"/>
+          <a:lstStyle/>
+          <a:p>
+            <a:pPr algn="ctr"/>
+            <a:endParaRPr lang="fr-CA"/>
+          </a:p>
+        </p:txBody>
+      </p:sp>
+      <p:sp>
+        <p:nvSpPr>
+          <p:cNvPr id="6" name="Rectangle : coins arrondis 5">
+            <a:extLst>
+              <a:ext uri="{FF2B5EF4-FFF2-40B4-BE49-F238E27FC236}">
+                <a16:creationId xmlns:a16="http://schemas.microsoft.com/office/drawing/2014/main" id="{E0439901-EE16-4E99-BDDC-78781F3A752B}"/>
+              </a:ext>
+            </a:extLst>
+          </p:cNvPr>
+          <p:cNvSpPr/>
+          <p:nvPr/>
+        </p:nvSpPr>
+        <p:spPr>
+          <a:xfrm>
+            <a:off x="1919801" y="1159968"/>
+            <a:ext cx="931464" cy="339093"/>
+          </a:xfrm>
+          <a:prstGeom prst="roundRect">
+            <a:avLst/>
+          </a:prstGeom>
+          <a:noFill/>
+          <a:ln w="28575">
+            <a:solidFill>
+              <a:schemeClr val="accent1"/>
+            </a:solidFill>
+          </a:ln>
+        </p:spPr>
+        <p:style>
+          <a:lnRef idx="2">
+            <a:schemeClr val="accent1">
+              <a:shade val="50000"/>
+            </a:schemeClr>
+          </a:lnRef>
+          <a:fillRef idx="1">
+            <a:schemeClr val="accent1"/>
+          </a:fillRef>
+          <a:effectRef idx="0">
+            <a:schemeClr val="accent1"/>
+          </a:effectRef>
+          <a:fontRef idx="minor">
+            <a:schemeClr val="lt1"/>
+          </a:fontRef>
+        </p:style>
+        <p:txBody>
+          <a:bodyPr rtlCol="0" anchor="ctr"/>
+          <a:lstStyle/>
+          <a:p>
+            <a:pPr algn="ctr"/>
+            <a:endParaRPr lang="fr-CA"/>
+          </a:p>
+        </p:txBody>
+      </p:sp>
+      <p:sp>
+        <p:nvSpPr>
+          <p:cNvPr id="7" name="Rectangle : coins arrondis 6">
+            <a:extLst>
+              <a:ext uri="{FF2B5EF4-FFF2-40B4-BE49-F238E27FC236}">
+                <a16:creationId xmlns:a16="http://schemas.microsoft.com/office/drawing/2014/main" id="{7E8F91EF-FFD5-48FB-BC3C-12D5E2EA5E83}"/>
+              </a:ext>
+            </a:extLst>
+          </p:cNvPr>
+          <p:cNvSpPr/>
+          <p:nvPr/>
+        </p:nvSpPr>
+        <p:spPr>
+          <a:xfrm>
+            <a:off x="1523561" y="1770612"/>
+            <a:ext cx="2025974" cy="473824"/>
+          </a:xfrm>
+          <a:prstGeom prst="roundRect">
+            <a:avLst/>
+          </a:prstGeom>
+          <a:noFill/>
+          <a:ln w="28575">
+            <a:solidFill>
+              <a:schemeClr val="accent1"/>
+            </a:solidFill>
+          </a:ln>
+        </p:spPr>
+        <p:style>
+          <a:lnRef idx="2">
+            <a:schemeClr val="accent1">
+              <a:shade val="50000"/>
+            </a:schemeClr>
+          </a:lnRef>
+          <a:fillRef idx="1">
+            <a:schemeClr val="accent1"/>
+          </a:fillRef>
+          <a:effectRef idx="0">
+            <a:schemeClr val="accent1"/>
+          </a:effectRef>
+          <a:fontRef idx="minor">
+            <a:schemeClr val="lt1"/>
+          </a:fontRef>
+        </p:style>
+        <p:txBody>
+          <a:bodyPr rtlCol="0" anchor="ctr"/>
+          <a:lstStyle/>
+          <a:p>
+            <a:pPr algn="ctr"/>
+            <a:endParaRPr lang="fr-CA"/>
+          </a:p>
+        </p:txBody>
+      </p:sp>
+      <p:cxnSp>
+        <p:nvCxnSpPr>
+          <p:cNvPr id="8" name="Connecteur droit avec flèche 7">
+            <a:extLst>
+              <a:ext uri="{FF2B5EF4-FFF2-40B4-BE49-F238E27FC236}">
+                <a16:creationId xmlns:a16="http://schemas.microsoft.com/office/drawing/2014/main" id="{9C30DB7F-D5D3-4594-85D5-2F3E1B719617}"/>
+              </a:ext>
+            </a:extLst>
+          </p:cNvPr>
+          <p:cNvCxnSpPr>
+            <a:cxnSpLocks/>
+          </p:cNvCxnSpPr>
+          <p:nvPr/>
+        </p:nvCxnSpPr>
+        <p:spPr>
+          <a:xfrm flipV="1">
+            <a:off x="3640975" y="191193"/>
+            <a:ext cx="3832167" cy="1795549"/>
+          </a:xfrm>
+          <a:prstGeom prst="straightConnector1">
+            <a:avLst/>
+          </a:prstGeom>
+          <a:ln w="57150">
+            <a:tailEnd type="triangle"/>
+          </a:ln>
+        </p:spPr>
+        <p:style>
+          <a:lnRef idx="1">
+            <a:schemeClr val="accent1"/>
+          </a:lnRef>
+          <a:fillRef idx="0">
+            <a:schemeClr val="accent1"/>
+          </a:fillRef>
+          <a:effectRef idx="0">
+            <a:schemeClr val="accent1"/>
+          </a:effectRef>
+          <a:fontRef idx="minor">
+            <a:schemeClr val="tx1"/>
+          </a:fontRef>
+        </p:style>
+      </p:cxnSp>
+      <p:sp>
+        <p:nvSpPr>
+          <p:cNvPr id="11" name="Rectangle : coins arrondis 10">
+            <a:extLst>
+              <a:ext uri="{FF2B5EF4-FFF2-40B4-BE49-F238E27FC236}">
+                <a16:creationId xmlns:a16="http://schemas.microsoft.com/office/drawing/2014/main" id="{1FBC2FFD-494A-4CAC-B2E0-AEF6F8BC374C}"/>
+              </a:ext>
+            </a:extLst>
+          </p:cNvPr>
+          <p:cNvSpPr/>
+          <p:nvPr/>
+        </p:nvSpPr>
+        <p:spPr>
+          <a:xfrm>
+            <a:off x="8790007" y="1329514"/>
+            <a:ext cx="931464" cy="339093"/>
+          </a:xfrm>
+          <a:prstGeom prst="roundRect">
+            <a:avLst/>
+          </a:prstGeom>
+          <a:noFill/>
+          <a:ln w="28575">
+            <a:solidFill>
+              <a:schemeClr val="accent1"/>
+            </a:solidFill>
+          </a:ln>
+        </p:spPr>
+        <p:style>
+          <a:lnRef idx="2">
+            <a:schemeClr val="accent1">
+              <a:shade val="50000"/>
+            </a:schemeClr>
+          </a:lnRef>
+          <a:fillRef idx="1">
+            <a:schemeClr val="accent1"/>
+          </a:fillRef>
+          <a:effectRef idx="0">
+            <a:schemeClr val="accent1"/>
+          </a:effectRef>
+          <a:fontRef idx="minor">
+            <a:schemeClr val="lt1"/>
+          </a:fontRef>
+        </p:style>
+        <p:txBody>
+          <a:bodyPr rtlCol="0" anchor="ctr"/>
+          <a:lstStyle/>
+          <a:p>
+            <a:pPr algn="ctr"/>
+            <a:endParaRPr lang="fr-CA"/>
           </a:p>
         </p:txBody>
       </p:sp>
     </p:spTree>
     <p:extLst>
       <p:ext uri="{BB962C8B-B14F-4D97-AF65-F5344CB8AC3E}">
-        <p14:creationId xmlns:p14="http://schemas.microsoft.com/office/powerpoint/2010/main" val="1193784411"/>
+        <p14:creationId xmlns:p14="http://schemas.microsoft.com/office/powerpoint/2010/main" val="1089480017"/>
       </p:ext>
     </p:extLst>
   </p:cSld>
@@ -3573,195 +3877,165 @@
           <a:chExt cx="0" cy="0"/>
         </a:xfrm>
       </p:grpSpPr>
-      <p:sp>
-        <p:nvSpPr>
-          <p:cNvPr id="2" name="Titre 1">
-            <a:extLst>
-              <a:ext uri="{FF2B5EF4-FFF2-40B4-BE49-F238E27FC236}">
-                <a16:creationId xmlns:a16="http://schemas.microsoft.com/office/drawing/2014/main" id="{C8FAFB21-4E6A-4DA3-AE53-9A53CEBC5048}"/>
-              </a:ext>
-            </a:extLst>
-          </p:cNvPr>
-          <p:cNvSpPr>
-            <a:spLocks noGrp="1"/>
-          </p:cNvSpPr>
-          <p:nvPr>
-            <p:ph type="title"/>
-          </p:nvPr>
-        </p:nvSpPr>
-        <p:spPr/>
-        <p:txBody>
-          <a:bodyPr>
-            <a:normAutofit/>
-          </a:bodyPr>
-          <a:lstStyle/>
-          <a:p>
-            <a:endParaRPr lang="fr-CA"/>
-          </a:p>
-        </p:txBody>
-      </p:sp>
-      <p:sp>
-        <p:nvSpPr>
-          <p:cNvPr id="3" name="Espace réservé du contenu 2">
-            <a:extLst>
-              <a:ext uri="{FF2B5EF4-FFF2-40B4-BE49-F238E27FC236}">
-                <a16:creationId xmlns:a16="http://schemas.microsoft.com/office/drawing/2014/main" id="{E406DFF7-B575-45A6-9BE5-1347CE4152FF}"/>
-              </a:ext>
-            </a:extLst>
-          </p:cNvPr>
-          <p:cNvSpPr>
-            <a:spLocks noGrp="1"/>
-          </p:cNvSpPr>
-          <p:nvPr>
-            <p:ph idx="1"/>
-          </p:nvPr>
-        </p:nvSpPr>
-        <p:spPr/>
-        <p:txBody>
-          <a:bodyPr/>
-          <a:lstStyle/>
-          <a:p>
-            <a:r>
-              <a:rPr lang="fr-CA" dirty="0"/>
-              <a:t>Install Action </a:t>
-            </a:r>
-            <a:r>
-              <a:rPr lang="fr-CA" dirty="0" err="1"/>
-              <a:t>Based</a:t>
-            </a:r>
-            <a:r>
-              <a:rPr lang="fr-CA" dirty="0"/>
-              <a:t> </a:t>
-            </a:r>
-            <a:r>
-              <a:rPr lang="fr-CA" dirty="0" err="1"/>
-              <a:t>Presets</a:t>
-            </a:r>
-            <a:endParaRPr lang="fr-CA" dirty="0"/>
-          </a:p>
-          <a:p>
-            <a:r>
-              <a:rPr lang="fr-CA" dirty="0"/>
-              <a:t>In </a:t>
-            </a:r>
-            <a:r>
-              <a:rPr lang="fr-CA" dirty="0" err="1"/>
-              <a:t>Preset</a:t>
-            </a:r>
-            <a:r>
-              <a:rPr lang="fr-CA" dirty="0"/>
-              <a:t> Manager </a:t>
-            </a:r>
-            <a:r>
-              <a:rPr lang="fr-CA" dirty="0" err="1"/>
-              <a:t>you</a:t>
-            </a:r>
-            <a:r>
-              <a:rPr lang="fr-CA" dirty="0"/>
-              <a:t> </a:t>
-            </a:r>
-            <a:r>
-              <a:rPr lang="fr-CA" dirty="0" err="1"/>
-              <a:t>should</a:t>
-            </a:r>
-            <a:r>
-              <a:rPr lang="fr-CA" dirty="0"/>
-              <a:t> have 5 </a:t>
-            </a:r>
-            <a:r>
-              <a:rPr lang="fr-CA" dirty="0" err="1"/>
-              <a:t>presets</a:t>
-            </a:r>
-            <a:endParaRPr lang="fr-CA" dirty="0"/>
-          </a:p>
-          <a:p>
-            <a:r>
-              <a:rPr lang="fr-CA" dirty="0" err="1"/>
-              <a:t>Add</a:t>
-            </a:r>
-            <a:r>
-              <a:rPr lang="fr-CA" dirty="0"/>
-              <a:t> right and </a:t>
-            </a:r>
-            <a:r>
-              <a:rPr lang="fr-CA" dirty="0" err="1"/>
-              <a:t>left</a:t>
-            </a:r>
-            <a:r>
-              <a:rPr lang="fr-CA" dirty="0"/>
-              <a:t> to the </a:t>
-            </a:r>
-            <a:r>
-              <a:rPr lang="fr-CA" dirty="0" err="1"/>
-              <a:t>filters</a:t>
-            </a:r>
-            <a:r>
-              <a:rPr lang="fr-CA" dirty="0"/>
-              <a:t> for </a:t>
-            </a:r>
-            <a:r>
-              <a:rPr lang="fr-CA" dirty="0" err="1"/>
-              <a:t>left</a:t>
-            </a:r>
-            <a:r>
-              <a:rPr lang="fr-CA" dirty="0"/>
-              <a:t> and right </a:t>
-            </a:r>
-            <a:r>
-              <a:rPr lang="fr-CA" dirty="0" err="1"/>
-              <a:t>controllers</a:t>
-            </a:r>
-            <a:endParaRPr lang="fr-CA" dirty="0"/>
-          </a:p>
-          <a:p>
-            <a:endParaRPr lang="fr-CA" dirty="0"/>
-          </a:p>
-          <a:p>
-            <a:r>
-              <a:rPr lang="fr-CA" dirty="0" err="1"/>
-              <a:t>Add</a:t>
-            </a:r>
-            <a:r>
-              <a:rPr lang="fr-CA" dirty="0"/>
-              <a:t> XR Origin (Action-</a:t>
-            </a:r>
-            <a:r>
-              <a:rPr lang="fr-CA" dirty="0" err="1"/>
-              <a:t>Based</a:t>
-            </a:r>
-            <a:r>
-              <a:rPr lang="fr-CA" dirty="0"/>
-              <a:t>)! It </a:t>
-            </a:r>
-            <a:r>
-              <a:rPr lang="fr-CA" dirty="0" err="1"/>
-              <a:t>is</a:t>
-            </a:r>
-            <a:r>
-              <a:rPr lang="fr-CA"/>
-              <a:t> the FULL SETUP CONTROLLER</a:t>
-            </a:r>
-            <a:endParaRPr lang="fr-CA" dirty="0"/>
-          </a:p>
-          <a:p>
-            <a:r>
-              <a:rPr lang="fr-CA" dirty="0" err="1"/>
-              <a:t>Add</a:t>
-            </a:r>
-            <a:r>
-              <a:rPr lang="fr-CA" dirty="0"/>
-              <a:t> Input Action Manager Component and drag XRI Default Input Actions</a:t>
-            </a:r>
-          </a:p>
-          <a:p>
-            <a:endParaRPr lang="fr-CA" dirty="0"/>
-          </a:p>
-        </p:txBody>
-      </p:sp>
+      <p:grpSp>
+        <p:nvGrpSpPr>
+          <p:cNvPr id="8" name="Groupe 7">
+            <a:extLst>
+              <a:ext uri="{FF2B5EF4-FFF2-40B4-BE49-F238E27FC236}">
+                <a16:creationId xmlns:a16="http://schemas.microsoft.com/office/drawing/2014/main" id="{A894FAD9-45AD-47C5-93EC-89F9DBB24C93}"/>
+              </a:ext>
+            </a:extLst>
+          </p:cNvPr>
+          <p:cNvGrpSpPr/>
+          <p:nvPr/>
+        </p:nvGrpSpPr>
+        <p:grpSpPr>
+          <a:xfrm>
+            <a:off x="1141273" y="0"/>
+            <a:ext cx="9667302" cy="6858000"/>
+            <a:chOff x="35680" y="1138166"/>
+            <a:chExt cx="6369555" cy="4518573"/>
+          </a:xfrm>
+        </p:grpSpPr>
+        <p:pic>
+          <p:nvPicPr>
+            <p:cNvPr id="2" name="Image 1">
+              <a:extLst>
+                <a:ext uri="{FF2B5EF4-FFF2-40B4-BE49-F238E27FC236}">
+                  <a16:creationId xmlns:a16="http://schemas.microsoft.com/office/drawing/2014/main" id="{DDDF73E8-EE83-45B3-9773-82EF9F8C1437}"/>
+                </a:ext>
+              </a:extLst>
+            </p:cNvPr>
+            <p:cNvPicPr>
+              <a:picLocks noChangeAspect="1"/>
+            </p:cNvPicPr>
+            <p:nvPr/>
+          </p:nvPicPr>
+          <p:blipFill>
+            <a:blip r:embed="rId2"/>
+            <a:stretch>
+              <a:fillRect/>
+            </a:stretch>
+          </p:blipFill>
+          <p:spPr>
+            <a:xfrm>
+              <a:off x="35680" y="1138166"/>
+              <a:ext cx="6369555" cy="4518573"/>
+            </a:xfrm>
+            <a:prstGeom prst="rect">
+              <a:avLst/>
+            </a:prstGeom>
+          </p:spPr>
+        </p:pic>
+        <p:sp>
+          <p:nvSpPr>
+            <p:cNvPr id="5" name="Rectangle : coins arrondis 4">
+              <a:extLst>
+                <a:ext uri="{FF2B5EF4-FFF2-40B4-BE49-F238E27FC236}">
+                  <a16:creationId xmlns:a16="http://schemas.microsoft.com/office/drawing/2014/main" id="{0D962A3D-7EBB-4354-B709-006AD14E4AA9}"/>
+                </a:ext>
+              </a:extLst>
+            </p:cNvPr>
+            <p:cNvSpPr/>
+            <p:nvPr/>
+          </p:nvSpPr>
+          <p:spPr>
+            <a:xfrm>
+              <a:off x="379134" y="1329863"/>
+              <a:ext cx="1325448" cy="191697"/>
+            </a:xfrm>
+            <a:prstGeom prst="roundRect">
+              <a:avLst/>
+            </a:prstGeom>
+            <a:noFill/>
+            <a:ln w="28575">
+              <a:solidFill>
+                <a:schemeClr val="accent1"/>
+              </a:solidFill>
+            </a:ln>
+          </p:spPr>
+          <p:style>
+            <a:lnRef idx="2">
+              <a:schemeClr val="accent1">
+                <a:shade val="50000"/>
+              </a:schemeClr>
+            </a:lnRef>
+            <a:fillRef idx="1">
+              <a:schemeClr val="accent1"/>
+            </a:fillRef>
+            <a:effectRef idx="0">
+              <a:schemeClr val="accent1"/>
+            </a:effectRef>
+            <a:fontRef idx="minor">
+              <a:schemeClr val="lt1"/>
+            </a:fontRef>
+          </p:style>
+          <p:txBody>
+            <a:bodyPr rtlCol="0" anchor="ctr"/>
+            <a:lstStyle/>
+            <a:p>
+              <a:pPr algn="ctr"/>
+              <a:endParaRPr lang="fr-CA"/>
+            </a:p>
+          </p:txBody>
+        </p:sp>
+        <p:sp>
+          <p:nvSpPr>
+            <p:cNvPr id="6" name="Rectangle : coins arrondis 5">
+              <a:extLst>
+                <a:ext uri="{FF2B5EF4-FFF2-40B4-BE49-F238E27FC236}">
+                  <a16:creationId xmlns:a16="http://schemas.microsoft.com/office/drawing/2014/main" id="{D7F944A7-30AA-4B77-B2EC-017B0B1D8544}"/>
+                </a:ext>
+              </a:extLst>
+            </p:cNvPr>
+            <p:cNvSpPr/>
+            <p:nvPr/>
+          </p:nvSpPr>
+          <p:spPr>
+            <a:xfrm>
+              <a:off x="105293" y="5111284"/>
+              <a:ext cx="2621282" cy="294759"/>
+            </a:xfrm>
+            <a:prstGeom prst="roundRect">
+              <a:avLst/>
+            </a:prstGeom>
+            <a:noFill/>
+            <a:ln w="28575">
+              <a:solidFill>
+                <a:schemeClr val="accent1"/>
+              </a:solidFill>
+            </a:ln>
+          </p:spPr>
+          <p:style>
+            <a:lnRef idx="2">
+              <a:schemeClr val="accent1">
+                <a:shade val="50000"/>
+              </a:schemeClr>
+            </a:lnRef>
+            <a:fillRef idx="1">
+              <a:schemeClr val="accent1"/>
+            </a:fillRef>
+            <a:effectRef idx="0">
+              <a:schemeClr val="accent1"/>
+            </a:effectRef>
+            <a:fontRef idx="minor">
+              <a:schemeClr val="lt1"/>
+            </a:fontRef>
+          </p:style>
+          <p:txBody>
+            <a:bodyPr rtlCol="0" anchor="ctr"/>
+            <a:lstStyle/>
+            <a:p>
+              <a:pPr algn="ctr"/>
+              <a:endParaRPr lang="fr-CA"/>
+            </a:p>
+          </p:txBody>
+        </p:sp>
+      </p:grpSp>
     </p:spTree>
     <p:extLst>
       <p:ext uri="{BB962C8B-B14F-4D97-AF65-F5344CB8AC3E}">
-        <p14:creationId xmlns:p14="http://schemas.microsoft.com/office/powerpoint/2010/main" val="399682466"/>
+        <p14:creationId xmlns:p14="http://schemas.microsoft.com/office/powerpoint/2010/main" val="3617330583"/>
       </p:ext>
     </p:extLst>
   </p:cSld>
@@ -3788,92 +4062,350 @@
           <a:chExt cx="0" cy="0"/>
         </a:xfrm>
       </p:grpSpPr>
-      <p:sp>
-        <p:nvSpPr>
-          <p:cNvPr id="2" name="Titre 1">
-            <a:extLst>
-              <a:ext uri="{FF2B5EF4-FFF2-40B4-BE49-F238E27FC236}">
-                <a16:creationId xmlns:a16="http://schemas.microsoft.com/office/drawing/2014/main" id="{C8FAFB21-4E6A-4DA3-AE53-9A53CEBC5048}"/>
-              </a:ext>
-            </a:extLst>
-          </p:cNvPr>
-          <p:cNvSpPr>
-            <a:spLocks noGrp="1"/>
-          </p:cNvSpPr>
-          <p:nvPr>
-            <p:ph type="title"/>
-          </p:nvPr>
-        </p:nvSpPr>
-        <p:spPr/>
-        <p:txBody>
-          <a:bodyPr>
-            <a:normAutofit/>
-          </a:bodyPr>
-          <a:lstStyle/>
-          <a:p>
-            <a:endParaRPr lang="fr-CA"/>
-          </a:p>
-        </p:txBody>
-      </p:sp>
-      <p:sp>
-        <p:nvSpPr>
-          <p:cNvPr id="3" name="Espace réservé du contenu 2">
-            <a:extLst>
-              <a:ext uri="{FF2B5EF4-FFF2-40B4-BE49-F238E27FC236}">
-                <a16:creationId xmlns:a16="http://schemas.microsoft.com/office/drawing/2014/main" id="{E406DFF7-B575-45A6-9BE5-1347CE4152FF}"/>
-              </a:ext>
-            </a:extLst>
-          </p:cNvPr>
-          <p:cNvSpPr>
-            <a:spLocks noGrp="1"/>
-          </p:cNvSpPr>
-          <p:nvPr>
-            <p:ph idx="1"/>
-          </p:nvPr>
-        </p:nvSpPr>
-        <p:spPr/>
-        <p:txBody>
-          <a:bodyPr/>
-          <a:lstStyle/>
-          <a:p>
-            <a:endParaRPr lang="fr-CA"/>
-          </a:p>
-        </p:txBody>
-      </p:sp>
-      <p:pic>
-        <p:nvPicPr>
-          <p:cNvPr id="6" name="Espace réservé du contenu 4" descr="Une image contenant texte&#10;&#10;Description générée automatiquement">
-            <a:extLst>
-              <a:ext uri="{FF2B5EF4-FFF2-40B4-BE49-F238E27FC236}">
-                <a16:creationId xmlns:a16="http://schemas.microsoft.com/office/drawing/2014/main" id="{4D040E84-F956-4910-9842-D0F64D92D7E1}"/>
-              </a:ext>
-            </a:extLst>
-          </p:cNvPr>
-          <p:cNvPicPr>
-            <a:picLocks noChangeAspect="1"/>
-          </p:cNvPicPr>
+      <p:grpSp>
+        <p:nvGrpSpPr>
+          <p:cNvPr id="6" name="Groupe 5">
+            <a:extLst>
+              <a:ext uri="{FF2B5EF4-FFF2-40B4-BE49-F238E27FC236}">
+                <a16:creationId xmlns:a16="http://schemas.microsoft.com/office/drawing/2014/main" id="{56113A41-2A0A-45EE-874D-68A7072ADBD4}"/>
+              </a:ext>
+            </a:extLst>
+          </p:cNvPr>
+          <p:cNvGrpSpPr/>
           <p:nvPr/>
-        </p:nvPicPr>
-        <p:blipFill>
-          <a:blip r:embed="rId2"/>
-          <a:stretch>
-            <a:fillRect/>
-          </a:stretch>
-        </p:blipFill>
-        <p:spPr>
+        </p:nvGrpSpPr>
+        <p:grpSpPr>
           <a:xfrm>
-            <a:off x="2711935" y="2103718"/>
-            <a:ext cx="3764925" cy="2488286"/>
-          </a:xfrm>
-          <a:prstGeom prst="rect">
+            <a:off x="-1" y="433136"/>
+            <a:ext cx="12128109" cy="5285875"/>
+            <a:chOff x="0" y="433136"/>
+            <a:chExt cx="10842972" cy="4725765"/>
+          </a:xfrm>
+        </p:grpSpPr>
+        <p:pic>
+          <p:nvPicPr>
+            <p:cNvPr id="2" name="Image 1">
+              <a:extLst>
+                <a:ext uri="{FF2B5EF4-FFF2-40B4-BE49-F238E27FC236}">
+                  <a16:creationId xmlns:a16="http://schemas.microsoft.com/office/drawing/2014/main" id="{149B38F5-83FF-43C6-B4F0-17D68BF7377D}"/>
+                </a:ext>
+              </a:extLst>
+            </p:cNvPr>
+            <p:cNvPicPr>
+              <a:picLocks noChangeAspect="1"/>
+            </p:cNvPicPr>
+            <p:nvPr/>
+          </p:nvPicPr>
+          <p:blipFill>
+            <a:blip r:embed="rId2"/>
+            <a:stretch>
+              <a:fillRect/>
+            </a:stretch>
+          </p:blipFill>
+          <p:spPr>
+            <a:xfrm>
+              <a:off x="0" y="433136"/>
+              <a:ext cx="7219168" cy="4725765"/>
+            </a:xfrm>
+            <a:prstGeom prst="rect">
+              <a:avLst/>
+            </a:prstGeom>
+          </p:spPr>
+        </p:pic>
+        <p:grpSp>
+          <p:nvGrpSpPr>
+            <p:cNvPr id="5" name="Groupe 4">
+              <a:extLst>
+                <a:ext uri="{FF2B5EF4-FFF2-40B4-BE49-F238E27FC236}">
+                  <a16:creationId xmlns:a16="http://schemas.microsoft.com/office/drawing/2014/main" id="{FC8673DD-8732-4AD0-AEAA-2864D647FC66}"/>
+                </a:ext>
+              </a:extLst>
+            </p:cNvPr>
+            <p:cNvGrpSpPr/>
+            <p:nvPr/>
+          </p:nvGrpSpPr>
+          <p:grpSpPr>
+            <a:xfrm>
+              <a:off x="7329755" y="433136"/>
+              <a:ext cx="3513217" cy="4725765"/>
+              <a:chOff x="7385067" y="1172391"/>
+              <a:chExt cx="3905795" cy="5253837"/>
+            </a:xfrm>
+          </p:grpSpPr>
+          <p:pic>
+            <p:nvPicPr>
+              <p:cNvPr id="3" name="Image 2">
+                <a:extLst>
+                  <a:ext uri="{FF2B5EF4-FFF2-40B4-BE49-F238E27FC236}">
+                    <a16:creationId xmlns:a16="http://schemas.microsoft.com/office/drawing/2014/main" id="{74EA40B2-09F4-416E-9C62-670F415C25BD}"/>
+                  </a:ext>
+                </a:extLst>
+              </p:cNvPr>
+              <p:cNvPicPr>
+                <a:picLocks noChangeAspect="1"/>
+              </p:cNvPicPr>
+              <p:nvPr/>
+            </p:nvPicPr>
+            <p:blipFill>
+              <a:blip r:embed="rId3"/>
+              <a:stretch>
+                <a:fillRect/>
+              </a:stretch>
+            </p:blipFill>
+            <p:spPr>
+              <a:xfrm>
+                <a:off x="7385067" y="1172391"/>
+                <a:ext cx="3905795" cy="1952898"/>
+              </a:xfrm>
+              <a:prstGeom prst="rect">
+                <a:avLst/>
+              </a:prstGeom>
+            </p:spPr>
+          </p:pic>
+          <p:pic>
+            <p:nvPicPr>
+              <p:cNvPr id="4" name="Image 3">
+                <a:extLst>
+                  <a:ext uri="{FF2B5EF4-FFF2-40B4-BE49-F238E27FC236}">
+                    <a16:creationId xmlns:a16="http://schemas.microsoft.com/office/drawing/2014/main" id="{3AD1B2C9-9A02-4592-B0F5-7A7AC7262978}"/>
+                  </a:ext>
+                </a:extLst>
+              </p:cNvPr>
+              <p:cNvPicPr>
+                <a:picLocks noChangeAspect="1"/>
+              </p:cNvPicPr>
+              <p:nvPr/>
+            </p:nvPicPr>
+            <p:blipFill>
+              <a:blip r:embed="rId4"/>
+              <a:stretch>
+                <a:fillRect/>
+              </a:stretch>
+            </p:blipFill>
+            <p:spPr>
+              <a:xfrm>
+                <a:off x="7385067" y="3266587"/>
+                <a:ext cx="3905795" cy="3159641"/>
+              </a:xfrm>
+              <a:prstGeom prst="rect">
+                <a:avLst/>
+              </a:prstGeom>
+            </p:spPr>
+          </p:pic>
+        </p:grpSp>
+      </p:grpSp>
+      <p:sp>
+        <p:nvSpPr>
+          <p:cNvPr id="7" name="Rectangle : coins arrondis 6">
+            <a:extLst>
+              <a:ext uri="{FF2B5EF4-FFF2-40B4-BE49-F238E27FC236}">
+                <a16:creationId xmlns:a16="http://schemas.microsoft.com/office/drawing/2014/main" id="{1B2B0858-E784-4A0F-958B-28938C4B4B18}"/>
+              </a:ext>
+            </a:extLst>
+          </p:cNvPr>
+          <p:cNvSpPr/>
+          <p:nvPr/>
+        </p:nvSpPr>
+        <p:spPr>
+          <a:xfrm>
+            <a:off x="-1" y="2828056"/>
+            <a:ext cx="3690852" cy="339093"/>
+          </a:xfrm>
+          <a:prstGeom prst="roundRect">
             <a:avLst/>
           </a:prstGeom>
-        </p:spPr>
-      </p:pic>
+          <a:noFill/>
+          <a:ln w="28575">
+            <a:solidFill>
+              <a:schemeClr val="accent1"/>
+            </a:solidFill>
+          </a:ln>
+        </p:spPr>
+        <p:style>
+          <a:lnRef idx="2">
+            <a:schemeClr val="accent1">
+              <a:shade val="50000"/>
+            </a:schemeClr>
+          </a:lnRef>
+          <a:fillRef idx="1">
+            <a:schemeClr val="accent1"/>
+          </a:fillRef>
+          <a:effectRef idx="0">
+            <a:schemeClr val="accent1"/>
+          </a:effectRef>
+          <a:fontRef idx="minor">
+            <a:schemeClr val="lt1"/>
+          </a:fontRef>
+        </p:style>
+        <p:txBody>
+          <a:bodyPr rtlCol="0" anchor="ctr"/>
+          <a:lstStyle/>
+          <a:p>
+            <a:pPr algn="ctr"/>
+            <a:endParaRPr lang="fr-CA"/>
+          </a:p>
+        </p:txBody>
+      </p:sp>
+      <p:sp>
+        <p:nvSpPr>
+          <p:cNvPr id="9" name="Rectangle : coins arrondis 8">
+            <a:extLst>
+              <a:ext uri="{FF2B5EF4-FFF2-40B4-BE49-F238E27FC236}">
+                <a16:creationId xmlns:a16="http://schemas.microsoft.com/office/drawing/2014/main" id="{718F7415-56C2-4932-9D12-23CB740A75A2}"/>
+              </a:ext>
+            </a:extLst>
+          </p:cNvPr>
+          <p:cNvSpPr/>
+          <p:nvPr/>
+        </p:nvSpPr>
+        <p:spPr>
+          <a:xfrm>
+            <a:off x="10224655" y="1895786"/>
+            <a:ext cx="908857" cy="339093"/>
+          </a:xfrm>
+          <a:prstGeom prst="roundRect">
+            <a:avLst/>
+          </a:prstGeom>
+          <a:noFill/>
+          <a:ln w="28575">
+            <a:solidFill>
+              <a:schemeClr val="accent1"/>
+            </a:solidFill>
+          </a:ln>
+        </p:spPr>
+        <p:style>
+          <a:lnRef idx="2">
+            <a:schemeClr val="accent1">
+              <a:shade val="50000"/>
+            </a:schemeClr>
+          </a:lnRef>
+          <a:fillRef idx="1">
+            <a:schemeClr val="accent1"/>
+          </a:fillRef>
+          <a:effectRef idx="0">
+            <a:schemeClr val="accent1"/>
+          </a:effectRef>
+          <a:fontRef idx="minor">
+            <a:schemeClr val="lt1"/>
+          </a:fontRef>
+        </p:style>
+        <p:txBody>
+          <a:bodyPr rtlCol="0" anchor="ctr"/>
+          <a:lstStyle/>
+          <a:p>
+            <a:pPr algn="ctr"/>
+            <a:endParaRPr lang="fr-CA"/>
+          </a:p>
+        </p:txBody>
+      </p:sp>
+      <p:sp>
+        <p:nvSpPr>
+          <p:cNvPr id="10" name="Rectangle : coins arrondis 9">
+            <a:extLst>
+              <a:ext uri="{FF2B5EF4-FFF2-40B4-BE49-F238E27FC236}">
+                <a16:creationId xmlns:a16="http://schemas.microsoft.com/office/drawing/2014/main" id="{C4C9EF3A-12F1-4512-9BC2-A4B98E85C9A1}"/>
+              </a:ext>
+            </a:extLst>
+          </p:cNvPr>
+          <p:cNvSpPr/>
+          <p:nvPr/>
+        </p:nvSpPr>
+        <p:spPr>
+          <a:xfrm>
+            <a:off x="9587193" y="5171852"/>
+            <a:ext cx="1546319" cy="339093"/>
+          </a:xfrm>
+          <a:prstGeom prst="roundRect">
+            <a:avLst/>
+          </a:prstGeom>
+          <a:noFill/>
+          <a:ln w="28575">
+            <a:solidFill>
+              <a:schemeClr val="accent1"/>
+            </a:solidFill>
+          </a:ln>
+        </p:spPr>
+        <p:style>
+          <a:lnRef idx="2">
+            <a:schemeClr val="accent1">
+              <a:shade val="50000"/>
+            </a:schemeClr>
+          </a:lnRef>
+          <a:fillRef idx="1">
+            <a:schemeClr val="accent1"/>
+          </a:fillRef>
+          <a:effectRef idx="0">
+            <a:schemeClr val="accent1"/>
+          </a:effectRef>
+          <a:fontRef idx="minor">
+            <a:schemeClr val="lt1"/>
+          </a:fontRef>
+        </p:style>
+        <p:txBody>
+          <a:bodyPr rtlCol="0" anchor="ctr"/>
+          <a:lstStyle/>
+          <a:p>
+            <a:pPr algn="ctr"/>
+            <a:endParaRPr lang="fr-CA"/>
+          </a:p>
+        </p:txBody>
+      </p:sp>
+      <p:sp>
+        <p:nvSpPr>
+          <p:cNvPr id="11" name="Rectangle : coins arrondis 10">
+            <a:extLst>
+              <a:ext uri="{FF2B5EF4-FFF2-40B4-BE49-F238E27FC236}">
+                <a16:creationId xmlns:a16="http://schemas.microsoft.com/office/drawing/2014/main" id="{6D20274C-9785-44A0-9AD0-A2C90ED7F3C1}"/>
+              </a:ext>
+            </a:extLst>
+          </p:cNvPr>
+          <p:cNvSpPr/>
+          <p:nvPr/>
+        </p:nvSpPr>
+        <p:spPr>
+          <a:xfrm>
+            <a:off x="349135" y="619642"/>
+            <a:ext cx="1695796" cy="261508"/>
+          </a:xfrm>
+          <a:prstGeom prst="roundRect">
+            <a:avLst/>
+          </a:prstGeom>
+          <a:noFill/>
+          <a:ln w="28575">
+            <a:solidFill>
+              <a:schemeClr val="accent1"/>
+            </a:solidFill>
+          </a:ln>
+        </p:spPr>
+        <p:style>
+          <a:lnRef idx="2">
+            <a:schemeClr val="accent1">
+              <a:shade val="50000"/>
+            </a:schemeClr>
+          </a:lnRef>
+          <a:fillRef idx="1">
+            <a:schemeClr val="accent1"/>
+          </a:fillRef>
+          <a:effectRef idx="0">
+            <a:schemeClr val="accent1"/>
+          </a:effectRef>
+          <a:fontRef idx="minor">
+            <a:schemeClr val="lt1"/>
+          </a:fontRef>
+        </p:style>
+        <p:txBody>
+          <a:bodyPr rtlCol="0" anchor="ctr"/>
+          <a:lstStyle/>
+          <a:p>
+            <a:pPr algn="ctr"/>
+            <a:endParaRPr lang="fr-CA"/>
+          </a:p>
+        </p:txBody>
+      </p:sp>
     </p:spTree>
     <p:extLst>
       <p:ext uri="{BB962C8B-B14F-4D97-AF65-F5344CB8AC3E}">
-        <p14:creationId xmlns:p14="http://schemas.microsoft.com/office/powerpoint/2010/main" val="2561023553"/>
+        <p14:creationId xmlns:p14="http://schemas.microsoft.com/office/powerpoint/2010/main" val="2939060094"/>
       </p:ext>
     </p:extLst>
   </p:cSld>
@@ -3900,64 +4432,12 @@
           <a:chExt cx="0" cy="0"/>
         </a:xfrm>
       </p:grpSpPr>
-      <p:sp>
-        <p:nvSpPr>
-          <p:cNvPr id="18" name="Espace réservé du contenu 17">
-            <a:extLst>
-              <a:ext uri="{FF2B5EF4-FFF2-40B4-BE49-F238E27FC236}">
-                <a16:creationId xmlns:a16="http://schemas.microsoft.com/office/drawing/2014/main" id="{FCAF51D4-8623-468E-BAC1-6263FEF34707}"/>
-              </a:ext>
-            </a:extLst>
-          </p:cNvPr>
-          <p:cNvSpPr>
-            <a:spLocks noGrp="1"/>
-          </p:cNvSpPr>
-          <p:nvPr>
-            <p:ph idx="1"/>
-          </p:nvPr>
-        </p:nvSpPr>
-        <p:spPr/>
-        <p:txBody>
-          <a:bodyPr/>
-          <a:lstStyle/>
-          <a:p>
-            <a:endParaRPr lang="fr-CA" dirty="0"/>
-          </a:p>
-        </p:txBody>
-      </p:sp>
-      <p:sp>
-        <p:nvSpPr>
-          <p:cNvPr id="2" name="Titre 1">
-            <a:extLst>
-              <a:ext uri="{FF2B5EF4-FFF2-40B4-BE49-F238E27FC236}">
-                <a16:creationId xmlns:a16="http://schemas.microsoft.com/office/drawing/2014/main" id="{67ACE471-0BCA-4C24-A34D-0B32CCA25F19}"/>
-              </a:ext>
-            </a:extLst>
-          </p:cNvPr>
-          <p:cNvSpPr>
-            <a:spLocks noGrp="1"/>
-          </p:cNvSpPr>
-          <p:nvPr>
-            <p:ph type="title"/>
-          </p:nvPr>
-        </p:nvSpPr>
-        <p:spPr/>
-        <p:txBody>
-          <a:bodyPr>
-            <a:normAutofit/>
-          </a:bodyPr>
-          <a:lstStyle/>
-          <a:p>
-            <a:endParaRPr lang="fr-CA"/>
-          </a:p>
-        </p:txBody>
-      </p:sp>
       <p:pic>
         <p:nvPicPr>
-          <p:cNvPr id="7" name="Image 6" descr="Une image contenant texte&#10;&#10;Description générée automatiquement">
-            <a:extLst>
-              <a:ext uri="{FF2B5EF4-FFF2-40B4-BE49-F238E27FC236}">
-                <a16:creationId xmlns:a16="http://schemas.microsoft.com/office/drawing/2014/main" id="{75FDD631-571C-4C60-ABA3-F2C3ADFCACAF}"/>
+          <p:cNvPr id="6" name="Image 5">
+            <a:extLst>
+              <a:ext uri="{FF2B5EF4-FFF2-40B4-BE49-F238E27FC236}">
+                <a16:creationId xmlns:a16="http://schemas.microsoft.com/office/drawing/2014/main" id="{8D443EC3-0DAE-47BD-BB80-389C529CB9A7}"/>
               </a:ext>
             </a:extLst>
           </p:cNvPr>
@@ -3974,8 +4454,8 @@
         </p:blipFill>
         <p:spPr>
           <a:xfrm>
-            <a:off x="1379226" y="1392516"/>
-            <a:ext cx="4465064" cy="4562755"/>
+            <a:off x="2614863" y="22357"/>
+            <a:ext cx="6083300" cy="1320800"/>
           </a:xfrm>
           <a:prstGeom prst="rect">
             <a:avLst/>
@@ -3984,10 +4464,10 @@
       </p:pic>
       <p:pic>
         <p:nvPicPr>
-          <p:cNvPr id="13" name="Image 12" descr="Une image contenant texte&#10;&#10;Description générée automatiquement">
-            <a:extLst>
-              <a:ext uri="{FF2B5EF4-FFF2-40B4-BE49-F238E27FC236}">
-                <a16:creationId xmlns:a16="http://schemas.microsoft.com/office/drawing/2014/main" id="{CF0B2334-C36B-4FD8-8CEF-0BB88ADD784C}"/>
+          <p:cNvPr id="7" name="Image 6">
+            <a:extLst>
+              <a:ext uri="{FF2B5EF4-FFF2-40B4-BE49-F238E27FC236}">
+                <a16:creationId xmlns:a16="http://schemas.microsoft.com/office/drawing/2014/main" id="{8FE3BEB8-5240-4106-B292-263DDDEAEE8B}"/>
               </a:ext>
             </a:extLst>
           </p:cNvPr>
@@ -4004,18 +4484,571 @@
         </p:blipFill>
         <p:spPr>
           <a:xfrm>
-            <a:off x="6096000" y="1392516"/>
-            <a:ext cx="4355323" cy="4456349"/>
+            <a:off x="2614863" y="1398426"/>
+            <a:ext cx="6038850" cy="1206500"/>
           </a:xfrm>
           <a:prstGeom prst="rect">
             <a:avLst/>
           </a:prstGeom>
         </p:spPr>
       </p:pic>
+      <p:pic>
+        <p:nvPicPr>
+          <p:cNvPr id="8" name="Image 7">
+            <a:extLst>
+              <a:ext uri="{FF2B5EF4-FFF2-40B4-BE49-F238E27FC236}">
+                <a16:creationId xmlns:a16="http://schemas.microsoft.com/office/drawing/2014/main" id="{168C6343-2E2A-47C1-B0B2-30A9CE549166}"/>
+              </a:ext>
+            </a:extLst>
+          </p:cNvPr>
+          <p:cNvPicPr>
+            <a:picLocks noChangeAspect="1"/>
+          </p:cNvPicPr>
+          <p:nvPr/>
+        </p:nvPicPr>
+        <p:blipFill>
+          <a:blip r:embed="rId4"/>
+          <a:stretch>
+            <a:fillRect/>
+          </a:stretch>
+        </p:blipFill>
+        <p:spPr>
+          <a:xfrm>
+            <a:off x="2614863" y="2679548"/>
+            <a:ext cx="6089650" cy="1333500"/>
+          </a:xfrm>
+          <a:prstGeom prst="rect">
+            <a:avLst/>
+          </a:prstGeom>
+        </p:spPr>
+      </p:pic>
+      <p:pic>
+        <p:nvPicPr>
+          <p:cNvPr id="9" name="Image 8">
+            <a:extLst>
+              <a:ext uri="{FF2B5EF4-FFF2-40B4-BE49-F238E27FC236}">
+                <a16:creationId xmlns:a16="http://schemas.microsoft.com/office/drawing/2014/main" id="{68E167E3-BB67-4FA0-BC23-30EC575DBF98}"/>
+              </a:ext>
+            </a:extLst>
+          </p:cNvPr>
+          <p:cNvPicPr>
+            <a:picLocks noChangeAspect="1"/>
+          </p:cNvPicPr>
+          <p:nvPr/>
+        </p:nvPicPr>
+        <p:blipFill>
+          <a:blip r:embed="rId5"/>
+          <a:stretch>
+            <a:fillRect/>
+          </a:stretch>
+        </p:blipFill>
+        <p:spPr>
+          <a:xfrm>
+            <a:off x="2621213" y="4087670"/>
+            <a:ext cx="6083299" cy="1320800"/>
+          </a:xfrm>
+          <a:prstGeom prst="rect">
+            <a:avLst/>
+          </a:prstGeom>
+        </p:spPr>
+      </p:pic>
+      <p:pic>
+        <p:nvPicPr>
+          <p:cNvPr id="10" name="Image 9">
+            <a:extLst>
+              <a:ext uri="{FF2B5EF4-FFF2-40B4-BE49-F238E27FC236}">
+                <a16:creationId xmlns:a16="http://schemas.microsoft.com/office/drawing/2014/main" id="{9D4AC535-3131-4544-9A22-E1EDFEF40F53}"/>
+              </a:ext>
+            </a:extLst>
+          </p:cNvPr>
+          <p:cNvPicPr>
+            <a:picLocks noChangeAspect="1"/>
+          </p:cNvPicPr>
+          <p:nvPr/>
+        </p:nvPicPr>
+        <p:blipFill>
+          <a:blip r:embed="rId6"/>
+          <a:stretch>
+            <a:fillRect/>
+          </a:stretch>
+        </p:blipFill>
+        <p:spPr>
+          <a:xfrm>
+            <a:off x="2621213" y="5483092"/>
+            <a:ext cx="6089650" cy="1352550"/>
+          </a:xfrm>
+          <a:prstGeom prst="rect">
+            <a:avLst/>
+          </a:prstGeom>
+        </p:spPr>
+      </p:pic>
+      <p:sp>
+        <p:nvSpPr>
+          <p:cNvPr id="2" name="Rectangle : coins arrondis 1">
+            <a:extLst>
+              <a:ext uri="{FF2B5EF4-FFF2-40B4-BE49-F238E27FC236}">
+                <a16:creationId xmlns:a16="http://schemas.microsoft.com/office/drawing/2014/main" id="{FA2A11D0-605F-4A67-B45E-C47DB5CFC0FB}"/>
+              </a:ext>
+            </a:extLst>
+          </p:cNvPr>
+          <p:cNvSpPr/>
+          <p:nvPr/>
+        </p:nvSpPr>
+        <p:spPr>
+          <a:xfrm>
+            <a:off x="6710334" y="282633"/>
+            <a:ext cx="1987829" cy="257695"/>
+          </a:xfrm>
+          <a:prstGeom prst="roundRect">
+            <a:avLst/>
+          </a:prstGeom>
+          <a:noFill/>
+          <a:ln w="28575">
+            <a:solidFill>
+              <a:schemeClr val="accent1"/>
+            </a:solidFill>
+          </a:ln>
+        </p:spPr>
+        <p:style>
+          <a:lnRef idx="2">
+            <a:schemeClr val="accent1">
+              <a:shade val="50000"/>
+            </a:schemeClr>
+          </a:lnRef>
+          <a:fillRef idx="1">
+            <a:schemeClr val="accent1"/>
+          </a:fillRef>
+          <a:effectRef idx="0">
+            <a:schemeClr val="accent1"/>
+          </a:effectRef>
+          <a:fontRef idx="minor">
+            <a:schemeClr val="lt1"/>
+          </a:fontRef>
+        </p:style>
+        <p:txBody>
+          <a:bodyPr rtlCol="0" anchor="ctr"/>
+          <a:lstStyle/>
+          <a:p>
+            <a:pPr algn="ctr"/>
+            <a:endParaRPr lang="fr-CA"/>
+          </a:p>
+        </p:txBody>
+      </p:sp>
+      <p:sp>
+        <p:nvSpPr>
+          <p:cNvPr id="12" name="Rectangle : coins arrondis 11">
+            <a:extLst>
+              <a:ext uri="{FF2B5EF4-FFF2-40B4-BE49-F238E27FC236}">
+                <a16:creationId xmlns:a16="http://schemas.microsoft.com/office/drawing/2014/main" id="{BBE3EDC8-B40A-44B3-A326-7D8B4119B942}"/>
+              </a:ext>
+            </a:extLst>
+          </p:cNvPr>
+          <p:cNvSpPr/>
+          <p:nvPr/>
+        </p:nvSpPr>
+        <p:spPr>
+          <a:xfrm>
+            <a:off x="6665884" y="1542472"/>
+            <a:ext cx="1987829" cy="257695"/>
+          </a:xfrm>
+          <a:prstGeom prst="roundRect">
+            <a:avLst/>
+          </a:prstGeom>
+          <a:noFill/>
+          <a:ln w="28575">
+            <a:solidFill>
+              <a:schemeClr val="accent1"/>
+            </a:solidFill>
+          </a:ln>
+        </p:spPr>
+        <p:style>
+          <a:lnRef idx="2">
+            <a:schemeClr val="accent1">
+              <a:shade val="50000"/>
+            </a:schemeClr>
+          </a:lnRef>
+          <a:fillRef idx="1">
+            <a:schemeClr val="accent1"/>
+          </a:fillRef>
+          <a:effectRef idx="0">
+            <a:schemeClr val="accent1"/>
+          </a:effectRef>
+          <a:fontRef idx="minor">
+            <a:schemeClr val="lt1"/>
+          </a:fontRef>
+        </p:style>
+        <p:txBody>
+          <a:bodyPr rtlCol="0" anchor="ctr"/>
+          <a:lstStyle/>
+          <a:p>
+            <a:pPr algn="ctr"/>
+            <a:endParaRPr lang="fr-CA"/>
+          </a:p>
+        </p:txBody>
+      </p:sp>
+      <p:sp>
+        <p:nvSpPr>
+          <p:cNvPr id="13" name="Rectangle : coins arrondis 12">
+            <a:extLst>
+              <a:ext uri="{FF2B5EF4-FFF2-40B4-BE49-F238E27FC236}">
+                <a16:creationId xmlns:a16="http://schemas.microsoft.com/office/drawing/2014/main" id="{8F6A7AEE-CCD2-402E-ABE4-61E99098AAE4}"/>
+              </a:ext>
+            </a:extLst>
+          </p:cNvPr>
+          <p:cNvSpPr/>
+          <p:nvPr/>
+        </p:nvSpPr>
+        <p:spPr>
+          <a:xfrm>
+            <a:off x="6665884" y="2948591"/>
+            <a:ext cx="1987829" cy="257695"/>
+          </a:xfrm>
+          <a:prstGeom prst="roundRect">
+            <a:avLst/>
+          </a:prstGeom>
+          <a:noFill/>
+          <a:ln w="28575">
+            <a:solidFill>
+              <a:schemeClr val="accent1"/>
+            </a:solidFill>
+          </a:ln>
+        </p:spPr>
+        <p:style>
+          <a:lnRef idx="2">
+            <a:schemeClr val="accent1">
+              <a:shade val="50000"/>
+            </a:schemeClr>
+          </a:lnRef>
+          <a:fillRef idx="1">
+            <a:schemeClr val="accent1"/>
+          </a:fillRef>
+          <a:effectRef idx="0">
+            <a:schemeClr val="accent1"/>
+          </a:effectRef>
+          <a:fontRef idx="minor">
+            <a:schemeClr val="lt1"/>
+          </a:fontRef>
+        </p:style>
+        <p:txBody>
+          <a:bodyPr rtlCol="0" anchor="ctr"/>
+          <a:lstStyle/>
+          <a:p>
+            <a:pPr algn="ctr"/>
+            <a:endParaRPr lang="fr-CA"/>
+          </a:p>
+        </p:txBody>
+      </p:sp>
+      <p:sp>
+        <p:nvSpPr>
+          <p:cNvPr id="14" name="Rectangle : coins arrondis 13">
+            <a:extLst>
+              <a:ext uri="{FF2B5EF4-FFF2-40B4-BE49-F238E27FC236}">
+                <a16:creationId xmlns:a16="http://schemas.microsoft.com/office/drawing/2014/main" id="{DAF4A00D-FB5F-4836-AA33-46A69F326F6F}"/>
+              </a:ext>
+            </a:extLst>
+          </p:cNvPr>
+          <p:cNvSpPr/>
+          <p:nvPr/>
+        </p:nvSpPr>
+        <p:spPr>
+          <a:xfrm>
+            <a:off x="6710333" y="4319962"/>
+            <a:ext cx="1987829" cy="257695"/>
+          </a:xfrm>
+          <a:prstGeom prst="roundRect">
+            <a:avLst/>
+          </a:prstGeom>
+          <a:noFill/>
+          <a:ln w="28575">
+            <a:solidFill>
+              <a:schemeClr val="accent1"/>
+            </a:solidFill>
+          </a:ln>
+        </p:spPr>
+        <p:style>
+          <a:lnRef idx="2">
+            <a:schemeClr val="accent1">
+              <a:shade val="50000"/>
+            </a:schemeClr>
+          </a:lnRef>
+          <a:fillRef idx="1">
+            <a:schemeClr val="accent1"/>
+          </a:fillRef>
+          <a:effectRef idx="0">
+            <a:schemeClr val="accent1"/>
+          </a:effectRef>
+          <a:fontRef idx="minor">
+            <a:schemeClr val="lt1"/>
+          </a:fontRef>
+        </p:style>
+        <p:txBody>
+          <a:bodyPr rtlCol="0" anchor="ctr"/>
+          <a:lstStyle/>
+          <a:p>
+            <a:pPr algn="ctr"/>
+            <a:endParaRPr lang="fr-CA"/>
+          </a:p>
+        </p:txBody>
+      </p:sp>
+      <p:sp>
+        <p:nvSpPr>
+          <p:cNvPr id="15" name="Rectangle : coins arrondis 14">
+            <a:extLst>
+              <a:ext uri="{FF2B5EF4-FFF2-40B4-BE49-F238E27FC236}">
+                <a16:creationId xmlns:a16="http://schemas.microsoft.com/office/drawing/2014/main" id="{A905FCE7-B77B-433B-AFAD-629965167D2F}"/>
+              </a:ext>
+            </a:extLst>
+          </p:cNvPr>
+          <p:cNvSpPr/>
+          <p:nvPr/>
+        </p:nvSpPr>
+        <p:spPr>
+          <a:xfrm>
+            <a:off x="6723034" y="5740128"/>
+            <a:ext cx="1987829" cy="257695"/>
+          </a:xfrm>
+          <a:prstGeom prst="roundRect">
+            <a:avLst/>
+          </a:prstGeom>
+          <a:noFill/>
+          <a:ln w="28575">
+            <a:solidFill>
+              <a:schemeClr val="accent1"/>
+            </a:solidFill>
+          </a:ln>
+        </p:spPr>
+        <p:style>
+          <a:lnRef idx="2">
+            <a:schemeClr val="accent1">
+              <a:shade val="50000"/>
+            </a:schemeClr>
+          </a:lnRef>
+          <a:fillRef idx="1">
+            <a:schemeClr val="accent1"/>
+          </a:fillRef>
+          <a:effectRef idx="0">
+            <a:schemeClr val="accent1"/>
+          </a:effectRef>
+          <a:fontRef idx="minor">
+            <a:schemeClr val="lt1"/>
+          </a:fontRef>
+        </p:style>
+        <p:txBody>
+          <a:bodyPr rtlCol="0" anchor="ctr"/>
+          <a:lstStyle/>
+          <a:p>
+            <a:pPr algn="ctr"/>
+            <a:endParaRPr lang="fr-CA"/>
+          </a:p>
+        </p:txBody>
+      </p:sp>
+      <p:cxnSp>
+        <p:nvCxnSpPr>
+          <p:cNvPr id="4" name="Connecteur droit avec flèche 3">
+            <a:extLst>
+              <a:ext uri="{FF2B5EF4-FFF2-40B4-BE49-F238E27FC236}">
+                <a16:creationId xmlns:a16="http://schemas.microsoft.com/office/drawing/2014/main" id="{7D49ACAD-574E-4075-819F-3F8D551258D6}"/>
+              </a:ext>
+            </a:extLst>
+          </p:cNvPr>
+          <p:cNvCxnSpPr>
+            <a:cxnSpLocks/>
+          </p:cNvCxnSpPr>
+          <p:nvPr/>
+        </p:nvCxnSpPr>
+        <p:spPr>
+          <a:xfrm flipV="1">
+            <a:off x="5868785" y="411480"/>
+            <a:ext cx="731520" cy="128848"/>
+          </a:xfrm>
+          <a:prstGeom prst="straightConnector1">
+            <a:avLst/>
+          </a:prstGeom>
+          <a:ln w="57150">
+            <a:tailEnd type="triangle"/>
+          </a:ln>
+        </p:spPr>
+        <p:style>
+          <a:lnRef idx="1">
+            <a:schemeClr val="accent1"/>
+          </a:lnRef>
+          <a:fillRef idx="0">
+            <a:schemeClr val="accent1"/>
+          </a:fillRef>
+          <a:effectRef idx="0">
+            <a:schemeClr val="accent1"/>
+          </a:effectRef>
+          <a:fontRef idx="minor">
+            <a:schemeClr val="tx1"/>
+          </a:fontRef>
+        </p:style>
+      </p:cxnSp>
+      <p:cxnSp>
+        <p:nvCxnSpPr>
+          <p:cNvPr id="16" name="Connecteur droit avec flèche 15">
+            <a:extLst>
+              <a:ext uri="{FF2B5EF4-FFF2-40B4-BE49-F238E27FC236}">
+                <a16:creationId xmlns:a16="http://schemas.microsoft.com/office/drawing/2014/main" id="{5C4E3176-38CD-4899-891E-68CB37B1E749}"/>
+              </a:ext>
+            </a:extLst>
+          </p:cNvPr>
+          <p:cNvCxnSpPr/>
+          <p:nvPr/>
+        </p:nvCxnSpPr>
+        <p:spPr>
+          <a:xfrm flipV="1">
+            <a:off x="5868785" y="1680147"/>
+            <a:ext cx="731520" cy="128848"/>
+          </a:xfrm>
+          <a:prstGeom prst="straightConnector1">
+            <a:avLst/>
+          </a:prstGeom>
+          <a:ln w="57150">
+            <a:tailEnd type="triangle"/>
+          </a:ln>
+        </p:spPr>
+        <p:style>
+          <a:lnRef idx="1">
+            <a:schemeClr val="accent1"/>
+          </a:lnRef>
+          <a:fillRef idx="0">
+            <a:schemeClr val="accent1"/>
+          </a:fillRef>
+          <a:effectRef idx="0">
+            <a:schemeClr val="accent1"/>
+          </a:effectRef>
+          <a:fontRef idx="minor">
+            <a:schemeClr val="tx1"/>
+          </a:fontRef>
+        </p:style>
+      </p:cxnSp>
+      <p:cxnSp>
+        <p:nvCxnSpPr>
+          <p:cNvPr id="17" name="Connecteur droit avec flèche 16">
+            <a:extLst>
+              <a:ext uri="{FF2B5EF4-FFF2-40B4-BE49-F238E27FC236}">
+                <a16:creationId xmlns:a16="http://schemas.microsoft.com/office/drawing/2014/main" id="{D2A387EB-09D9-4AC1-A47C-69E50B59B7C6}"/>
+              </a:ext>
+            </a:extLst>
+          </p:cNvPr>
+          <p:cNvCxnSpPr>
+            <a:cxnSpLocks/>
+          </p:cNvCxnSpPr>
+          <p:nvPr/>
+        </p:nvCxnSpPr>
+        <p:spPr>
+          <a:xfrm flipV="1">
+            <a:off x="5868785" y="3077438"/>
+            <a:ext cx="731520" cy="351562"/>
+          </a:xfrm>
+          <a:prstGeom prst="straightConnector1">
+            <a:avLst/>
+          </a:prstGeom>
+          <a:ln w="57150">
+            <a:tailEnd type="triangle"/>
+          </a:ln>
+        </p:spPr>
+        <p:style>
+          <a:lnRef idx="1">
+            <a:schemeClr val="accent1"/>
+          </a:lnRef>
+          <a:fillRef idx="0">
+            <a:schemeClr val="accent1"/>
+          </a:fillRef>
+          <a:effectRef idx="0">
+            <a:schemeClr val="accent1"/>
+          </a:effectRef>
+          <a:fontRef idx="minor">
+            <a:schemeClr val="tx1"/>
+          </a:fontRef>
+        </p:style>
+      </p:cxnSp>
+      <p:cxnSp>
+        <p:nvCxnSpPr>
+          <p:cNvPr id="19" name="Connecteur droit avec flèche 18">
+            <a:extLst>
+              <a:ext uri="{FF2B5EF4-FFF2-40B4-BE49-F238E27FC236}">
+                <a16:creationId xmlns:a16="http://schemas.microsoft.com/office/drawing/2014/main" id="{4F5C9926-7213-4A0C-B256-9F3882007B28}"/>
+              </a:ext>
+            </a:extLst>
+          </p:cNvPr>
+          <p:cNvCxnSpPr>
+            <a:cxnSpLocks/>
+          </p:cNvCxnSpPr>
+          <p:nvPr/>
+        </p:nvCxnSpPr>
+        <p:spPr>
+          <a:xfrm flipV="1">
+            <a:off x="5868785" y="4420192"/>
+            <a:ext cx="797099" cy="542506"/>
+          </a:xfrm>
+          <a:prstGeom prst="straightConnector1">
+            <a:avLst/>
+          </a:prstGeom>
+          <a:ln w="57150">
+            <a:tailEnd type="triangle"/>
+          </a:ln>
+        </p:spPr>
+        <p:style>
+          <a:lnRef idx="1">
+            <a:schemeClr val="accent1"/>
+          </a:lnRef>
+          <a:fillRef idx="0">
+            <a:schemeClr val="accent1"/>
+          </a:fillRef>
+          <a:effectRef idx="0">
+            <a:schemeClr val="accent1"/>
+          </a:effectRef>
+          <a:fontRef idx="minor">
+            <a:schemeClr val="tx1"/>
+          </a:fontRef>
+        </p:style>
+      </p:cxnSp>
+      <p:cxnSp>
+        <p:nvCxnSpPr>
+          <p:cNvPr id="21" name="Connecteur droit avec flèche 20">
+            <a:extLst>
+              <a:ext uri="{FF2B5EF4-FFF2-40B4-BE49-F238E27FC236}">
+                <a16:creationId xmlns:a16="http://schemas.microsoft.com/office/drawing/2014/main" id="{A4DC0DE8-3124-4415-A559-4683199F744E}"/>
+              </a:ext>
+            </a:extLst>
+          </p:cNvPr>
+          <p:cNvCxnSpPr>
+            <a:cxnSpLocks/>
+          </p:cNvCxnSpPr>
+          <p:nvPr/>
+        </p:nvCxnSpPr>
+        <p:spPr>
+          <a:xfrm flipV="1">
+            <a:off x="5813771" y="5868975"/>
+            <a:ext cx="841548" cy="605971"/>
+          </a:xfrm>
+          <a:prstGeom prst="straightConnector1">
+            <a:avLst/>
+          </a:prstGeom>
+          <a:ln w="57150">
+            <a:tailEnd type="triangle"/>
+          </a:ln>
+        </p:spPr>
+        <p:style>
+          <a:lnRef idx="1">
+            <a:schemeClr val="accent1"/>
+          </a:lnRef>
+          <a:fillRef idx="0">
+            <a:schemeClr val="accent1"/>
+          </a:fillRef>
+          <a:effectRef idx="0">
+            <a:schemeClr val="accent1"/>
+          </a:effectRef>
+          <a:fontRef idx="minor">
+            <a:schemeClr val="tx1"/>
+          </a:fontRef>
+        </p:style>
+      </p:cxnSp>
     </p:spTree>
     <p:extLst>
       <p:ext uri="{BB962C8B-B14F-4D97-AF65-F5344CB8AC3E}">
-        <p14:creationId xmlns:p14="http://schemas.microsoft.com/office/powerpoint/2010/main" val="2010842166"/>
+        <p14:creationId xmlns:p14="http://schemas.microsoft.com/office/powerpoint/2010/main" val="751320402"/>
       </p:ext>
     </p:extLst>
   </p:cSld>
@@ -4042,64 +5075,12 @@
           <a:chExt cx="0" cy="0"/>
         </a:xfrm>
       </p:grpSpPr>
-      <p:sp>
-        <p:nvSpPr>
-          <p:cNvPr id="18" name="Espace réservé du contenu 17">
-            <a:extLst>
-              <a:ext uri="{FF2B5EF4-FFF2-40B4-BE49-F238E27FC236}">
-                <a16:creationId xmlns:a16="http://schemas.microsoft.com/office/drawing/2014/main" id="{FCAF51D4-8623-468E-BAC1-6263FEF34707}"/>
-              </a:ext>
-            </a:extLst>
-          </p:cNvPr>
-          <p:cNvSpPr>
-            <a:spLocks noGrp="1"/>
-          </p:cNvSpPr>
-          <p:nvPr>
-            <p:ph idx="1"/>
-          </p:nvPr>
-        </p:nvSpPr>
-        <p:spPr/>
-        <p:txBody>
-          <a:bodyPr/>
-          <a:lstStyle/>
-          <a:p>
-            <a:endParaRPr lang="fr-CA" dirty="0"/>
-          </a:p>
-        </p:txBody>
-      </p:sp>
-      <p:sp>
-        <p:nvSpPr>
-          <p:cNvPr id="2" name="Titre 1">
-            <a:extLst>
-              <a:ext uri="{FF2B5EF4-FFF2-40B4-BE49-F238E27FC236}">
-                <a16:creationId xmlns:a16="http://schemas.microsoft.com/office/drawing/2014/main" id="{67ACE471-0BCA-4C24-A34D-0B32CCA25F19}"/>
-              </a:ext>
-            </a:extLst>
-          </p:cNvPr>
-          <p:cNvSpPr>
-            <a:spLocks noGrp="1"/>
-          </p:cNvSpPr>
-          <p:nvPr>
-            <p:ph type="title"/>
-          </p:nvPr>
-        </p:nvSpPr>
-        <p:spPr/>
-        <p:txBody>
-          <a:bodyPr>
-            <a:normAutofit/>
-          </a:bodyPr>
-          <a:lstStyle/>
-          <a:p>
-            <a:endParaRPr lang="fr-CA"/>
-          </a:p>
-        </p:txBody>
-      </p:sp>
       <p:pic>
         <p:nvPicPr>
-          <p:cNvPr id="3" name="Image 2">
-            <a:extLst>
-              <a:ext uri="{FF2B5EF4-FFF2-40B4-BE49-F238E27FC236}">
-                <a16:creationId xmlns:a16="http://schemas.microsoft.com/office/drawing/2014/main" id="{C8653026-3CC0-42C6-B5CA-1089E2F1E5D9}"/>
+          <p:cNvPr id="2" name="Image 1">
+            <a:extLst>
+              <a:ext uri="{FF2B5EF4-FFF2-40B4-BE49-F238E27FC236}">
+                <a16:creationId xmlns:a16="http://schemas.microsoft.com/office/drawing/2014/main" id="{8E5352F7-A989-4656-B874-C41EA92998C1}"/>
               </a:ext>
             </a:extLst>
           </p:cNvPr>
@@ -4116,18 +5097,234 @@
         </p:blipFill>
         <p:spPr>
           <a:xfrm>
-            <a:off x="4076746" y="2198712"/>
-            <a:ext cx="3758507" cy="3049538"/>
+            <a:off x="-74645" y="0"/>
+            <a:ext cx="3085696" cy="6858000"/>
           </a:xfrm>
           <a:prstGeom prst="rect">
             <a:avLst/>
           </a:prstGeom>
         </p:spPr>
       </p:pic>
+      <p:pic>
+        <p:nvPicPr>
+          <p:cNvPr id="5" name="Image 4">
+            <a:extLst>
+              <a:ext uri="{FF2B5EF4-FFF2-40B4-BE49-F238E27FC236}">
+                <a16:creationId xmlns:a16="http://schemas.microsoft.com/office/drawing/2014/main" id="{60F55360-9BF3-45A9-B5EF-6D3D2FB83FEA}"/>
+              </a:ext>
+            </a:extLst>
+          </p:cNvPr>
+          <p:cNvPicPr>
+            <a:picLocks noChangeAspect="1"/>
+          </p:cNvPicPr>
+          <p:nvPr/>
+        </p:nvPicPr>
+        <p:blipFill>
+          <a:blip r:embed="rId3"/>
+          <a:stretch>
+            <a:fillRect/>
+          </a:stretch>
+        </p:blipFill>
+        <p:spPr>
+          <a:xfrm>
+            <a:off x="3420346" y="418680"/>
+            <a:ext cx="8411749" cy="6020640"/>
+          </a:xfrm>
+          <a:prstGeom prst="rect">
+            <a:avLst/>
+          </a:prstGeom>
+        </p:spPr>
+      </p:pic>
+      <p:cxnSp>
+        <p:nvCxnSpPr>
+          <p:cNvPr id="9" name="Connecteur droit avec flèche 8">
+            <a:extLst>
+              <a:ext uri="{FF2B5EF4-FFF2-40B4-BE49-F238E27FC236}">
+                <a16:creationId xmlns:a16="http://schemas.microsoft.com/office/drawing/2014/main" id="{84E5FA4B-DCA4-434F-9F45-64108ACC3EFB}"/>
+              </a:ext>
+            </a:extLst>
+          </p:cNvPr>
+          <p:cNvCxnSpPr>
+            <a:cxnSpLocks/>
+          </p:cNvCxnSpPr>
+          <p:nvPr/>
+        </p:nvCxnSpPr>
+        <p:spPr>
+          <a:xfrm flipV="1">
+            <a:off x="2484179" y="972589"/>
+            <a:ext cx="1131857" cy="4418215"/>
+          </a:xfrm>
+          <a:prstGeom prst="straightConnector1">
+            <a:avLst/>
+          </a:prstGeom>
+          <a:ln w="57150">
+            <a:tailEnd type="triangle"/>
+          </a:ln>
+        </p:spPr>
+        <p:style>
+          <a:lnRef idx="1">
+            <a:schemeClr val="accent1"/>
+          </a:lnRef>
+          <a:fillRef idx="0">
+            <a:schemeClr val="accent1"/>
+          </a:fillRef>
+          <a:effectRef idx="0">
+            <a:schemeClr val="accent1"/>
+          </a:effectRef>
+          <a:fontRef idx="minor">
+            <a:schemeClr val="tx1"/>
+          </a:fontRef>
+        </p:style>
+      </p:cxnSp>
+      <p:sp>
+        <p:nvSpPr>
+          <p:cNvPr id="10" name="Rectangle : coins arrondis 9">
+            <a:extLst>
+              <a:ext uri="{FF2B5EF4-FFF2-40B4-BE49-F238E27FC236}">
+                <a16:creationId xmlns:a16="http://schemas.microsoft.com/office/drawing/2014/main" id="{CCE38F9B-9B1E-4FD8-8B53-B701A79C1227}"/>
+              </a:ext>
+            </a:extLst>
+          </p:cNvPr>
+          <p:cNvSpPr/>
+          <p:nvPr/>
+        </p:nvSpPr>
+        <p:spPr>
+          <a:xfrm>
+            <a:off x="3490423" y="5627716"/>
+            <a:ext cx="1397461" cy="257695"/>
+          </a:xfrm>
+          <a:prstGeom prst="roundRect">
+            <a:avLst/>
+          </a:prstGeom>
+          <a:noFill/>
+          <a:ln w="38100">
+            <a:solidFill>
+              <a:schemeClr val="accent1"/>
+            </a:solidFill>
+          </a:ln>
+        </p:spPr>
+        <p:style>
+          <a:lnRef idx="2">
+            <a:schemeClr val="accent1">
+              <a:shade val="50000"/>
+            </a:schemeClr>
+          </a:lnRef>
+          <a:fillRef idx="1">
+            <a:schemeClr val="accent1"/>
+          </a:fillRef>
+          <a:effectRef idx="0">
+            <a:schemeClr val="accent1"/>
+          </a:effectRef>
+          <a:fontRef idx="minor">
+            <a:schemeClr val="lt1"/>
+          </a:fontRef>
+        </p:style>
+        <p:txBody>
+          <a:bodyPr rtlCol="0" anchor="ctr"/>
+          <a:lstStyle/>
+          <a:p>
+            <a:pPr algn="ctr"/>
+            <a:endParaRPr lang="fr-CA"/>
+          </a:p>
+        </p:txBody>
+      </p:sp>
+      <p:sp>
+        <p:nvSpPr>
+          <p:cNvPr id="11" name="Rectangle : coins arrondis 10">
+            <a:extLst>
+              <a:ext uri="{FF2B5EF4-FFF2-40B4-BE49-F238E27FC236}">
+                <a16:creationId xmlns:a16="http://schemas.microsoft.com/office/drawing/2014/main" id="{0D7A1C79-FE31-42E9-8F2A-4F6BEBDFF5E3}"/>
+              </a:ext>
+            </a:extLst>
+          </p:cNvPr>
+          <p:cNvSpPr/>
+          <p:nvPr/>
+        </p:nvSpPr>
+        <p:spPr>
+          <a:xfrm>
+            <a:off x="4887884" y="2473036"/>
+            <a:ext cx="1397461" cy="257695"/>
+          </a:xfrm>
+          <a:prstGeom prst="roundRect">
+            <a:avLst/>
+          </a:prstGeom>
+          <a:noFill/>
+          <a:ln w="38100">
+            <a:solidFill>
+              <a:schemeClr val="accent1"/>
+            </a:solidFill>
+          </a:ln>
+        </p:spPr>
+        <p:style>
+          <a:lnRef idx="2">
+            <a:schemeClr val="accent1">
+              <a:shade val="50000"/>
+            </a:schemeClr>
+          </a:lnRef>
+          <a:fillRef idx="1">
+            <a:schemeClr val="accent1"/>
+          </a:fillRef>
+          <a:effectRef idx="0">
+            <a:schemeClr val="accent1"/>
+          </a:effectRef>
+          <a:fontRef idx="minor">
+            <a:schemeClr val="lt1"/>
+          </a:fontRef>
+        </p:style>
+        <p:txBody>
+          <a:bodyPr rtlCol="0" anchor="ctr"/>
+          <a:lstStyle/>
+          <a:p>
+            <a:pPr algn="ctr"/>
+            <a:endParaRPr lang="fr-CA"/>
+          </a:p>
+        </p:txBody>
+      </p:sp>
+      <p:cxnSp>
+        <p:nvCxnSpPr>
+          <p:cNvPr id="12" name="Connecteur droit avec flèche 11">
+            <a:extLst>
+              <a:ext uri="{FF2B5EF4-FFF2-40B4-BE49-F238E27FC236}">
+                <a16:creationId xmlns:a16="http://schemas.microsoft.com/office/drawing/2014/main" id="{247EFBE3-74F2-4A02-9EA6-3643BD80D6B5}"/>
+              </a:ext>
+            </a:extLst>
+          </p:cNvPr>
+          <p:cNvCxnSpPr>
+            <a:cxnSpLocks/>
+          </p:cNvCxnSpPr>
+          <p:nvPr/>
+        </p:nvCxnSpPr>
+        <p:spPr>
+          <a:xfrm flipV="1">
+            <a:off x="5852160" y="1371600"/>
+            <a:ext cx="1188720" cy="1230283"/>
+          </a:xfrm>
+          <a:prstGeom prst="straightConnector1">
+            <a:avLst/>
+          </a:prstGeom>
+          <a:ln w="57150">
+            <a:tailEnd type="triangle"/>
+          </a:ln>
+        </p:spPr>
+        <p:style>
+          <a:lnRef idx="1">
+            <a:schemeClr val="accent1"/>
+          </a:lnRef>
+          <a:fillRef idx="0">
+            <a:schemeClr val="accent1"/>
+          </a:fillRef>
+          <a:effectRef idx="0">
+            <a:schemeClr val="accent1"/>
+          </a:effectRef>
+          <a:fontRef idx="minor">
+            <a:schemeClr val="tx1"/>
+          </a:fontRef>
+        </p:style>
+      </p:cxnSp>
     </p:spTree>
     <p:extLst>
       <p:ext uri="{BB962C8B-B14F-4D97-AF65-F5344CB8AC3E}">
-        <p14:creationId xmlns:p14="http://schemas.microsoft.com/office/powerpoint/2010/main" val="2659123697"/>
+        <p14:creationId xmlns:p14="http://schemas.microsoft.com/office/powerpoint/2010/main" val="1051496607"/>
       </p:ext>
     </p:extLst>
   </p:cSld>
@@ -4154,92 +5351,217 @@
           <a:chExt cx="0" cy="0"/>
         </a:xfrm>
       </p:grpSpPr>
-      <p:sp>
-        <p:nvSpPr>
-          <p:cNvPr id="2" name="Titre 1">
-            <a:extLst>
-              <a:ext uri="{FF2B5EF4-FFF2-40B4-BE49-F238E27FC236}">
-                <a16:creationId xmlns:a16="http://schemas.microsoft.com/office/drawing/2014/main" id="{C8FAFB21-4E6A-4DA3-AE53-9A53CEBC5048}"/>
-              </a:ext>
-            </a:extLst>
-          </p:cNvPr>
-          <p:cNvSpPr>
-            <a:spLocks noGrp="1"/>
-          </p:cNvSpPr>
-          <p:nvPr>
-            <p:ph type="title"/>
-          </p:nvPr>
-        </p:nvSpPr>
-        <p:spPr/>
-        <p:txBody>
-          <a:bodyPr>
-            <a:normAutofit/>
-          </a:bodyPr>
-          <a:lstStyle/>
-          <a:p>
-            <a:endParaRPr lang="fr-CA"/>
-          </a:p>
-        </p:txBody>
-      </p:sp>
-      <p:sp>
-        <p:nvSpPr>
-          <p:cNvPr id="3" name="Espace réservé du contenu 2">
-            <a:extLst>
-              <a:ext uri="{FF2B5EF4-FFF2-40B4-BE49-F238E27FC236}">
-                <a16:creationId xmlns:a16="http://schemas.microsoft.com/office/drawing/2014/main" id="{E406DFF7-B575-45A6-9BE5-1347CE4152FF}"/>
-              </a:ext>
-            </a:extLst>
-          </p:cNvPr>
-          <p:cNvSpPr>
-            <a:spLocks noGrp="1"/>
-          </p:cNvSpPr>
-          <p:nvPr>
-            <p:ph idx="1"/>
-          </p:nvPr>
-        </p:nvSpPr>
-        <p:spPr/>
-        <p:txBody>
-          <a:bodyPr/>
-          <a:lstStyle/>
-          <a:p>
-            <a:endParaRPr lang="fr-CA"/>
-          </a:p>
-        </p:txBody>
-      </p:sp>
-      <p:pic>
-        <p:nvPicPr>
-          <p:cNvPr id="7" name="Image 6">
-            <a:extLst>
-              <a:ext uri="{FF2B5EF4-FFF2-40B4-BE49-F238E27FC236}">
-                <a16:creationId xmlns:a16="http://schemas.microsoft.com/office/drawing/2014/main" id="{6E66524D-271B-4AB7-A1C7-F79246D705A9}"/>
-              </a:ext>
-            </a:extLst>
-          </p:cNvPr>
-          <p:cNvPicPr>
-            <a:picLocks noChangeAspect="1"/>
-          </p:cNvPicPr>
+      <p:grpSp>
+        <p:nvGrpSpPr>
+          <p:cNvPr id="12" name="Groupe 11">
+            <a:extLst>
+              <a:ext uri="{FF2B5EF4-FFF2-40B4-BE49-F238E27FC236}">
+                <a16:creationId xmlns:a16="http://schemas.microsoft.com/office/drawing/2014/main" id="{A4C120CE-B5F1-4B8B-A14F-9B427E6545C4}"/>
+              </a:ext>
+            </a:extLst>
+          </p:cNvPr>
+          <p:cNvGrpSpPr/>
           <p:nvPr/>
-        </p:nvPicPr>
-        <p:blipFill>
-          <a:blip r:embed="rId2"/>
-          <a:stretch>
-            <a:fillRect/>
-          </a:stretch>
-        </p:blipFill>
-        <p:spPr>
+        </p:nvGrpSpPr>
+        <p:grpSpPr>
           <a:xfrm>
-            <a:off x="1253965" y="2968021"/>
-            <a:ext cx="4250364" cy="2782346"/>
-          </a:xfrm>
-          <a:prstGeom prst="rect">
-            <a:avLst/>
-          </a:prstGeom>
-        </p:spPr>
-      </p:pic>
+            <a:off x="1986742" y="786062"/>
+            <a:ext cx="8074802" cy="5285875"/>
+            <a:chOff x="-1" y="458074"/>
+            <a:chExt cx="8074802" cy="5285875"/>
+          </a:xfrm>
+        </p:grpSpPr>
+        <p:pic>
+          <p:nvPicPr>
+            <p:cNvPr id="2" name="Image 1">
+              <a:extLst>
+                <a:ext uri="{FF2B5EF4-FFF2-40B4-BE49-F238E27FC236}">
+                  <a16:creationId xmlns:a16="http://schemas.microsoft.com/office/drawing/2014/main" id="{149B38F5-83FF-43C6-B4F0-17D68BF7377D}"/>
+                </a:ext>
+              </a:extLst>
+            </p:cNvPr>
+            <p:cNvPicPr>
+              <a:picLocks noChangeAspect="1"/>
+            </p:cNvPicPr>
+            <p:nvPr/>
+          </p:nvPicPr>
+          <p:blipFill>
+            <a:blip r:embed="rId2"/>
+            <a:stretch>
+              <a:fillRect/>
+            </a:stretch>
+          </p:blipFill>
+          <p:spPr>
+            <a:xfrm>
+              <a:off x="-1" y="458074"/>
+              <a:ext cx="8074802" cy="5285875"/>
+            </a:xfrm>
+            <a:prstGeom prst="rect">
+              <a:avLst/>
+            </a:prstGeom>
+          </p:spPr>
+        </p:pic>
+        <p:sp>
+          <p:nvSpPr>
+            <p:cNvPr id="7" name="Rectangle : coins arrondis 6">
+              <a:extLst>
+                <a:ext uri="{FF2B5EF4-FFF2-40B4-BE49-F238E27FC236}">
+                  <a16:creationId xmlns:a16="http://schemas.microsoft.com/office/drawing/2014/main" id="{1B2B0858-E784-4A0F-958B-28938C4B4B18}"/>
+                </a:ext>
+              </a:extLst>
+            </p:cNvPr>
+            <p:cNvSpPr/>
+            <p:nvPr/>
+          </p:nvSpPr>
+          <p:spPr>
+            <a:xfrm>
+              <a:off x="-1" y="2828056"/>
+              <a:ext cx="3690852" cy="339093"/>
+            </a:xfrm>
+            <a:prstGeom prst="roundRect">
+              <a:avLst/>
+            </a:prstGeom>
+            <a:noFill/>
+            <a:ln w="28575">
+              <a:solidFill>
+                <a:schemeClr val="accent1"/>
+              </a:solidFill>
+            </a:ln>
+          </p:spPr>
+          <p:style>
+            <a:lnRef idx="2">
+              <a:schemeClr val="accent1">
+                <a:shade val="50000"/>
+              </a:schemeClr>
+            </a:lnRef>
+            <a:fillRef idx="1">
+              <a:schemeClr val="accent1"/>
+            </a:fillRef>
+            <a:effectRef idx="0">
+              <a:schemeClr val="accent1"/>
+            </a:effectRef>
+            <a:fontRef idx="minor">
+              <a:schemeClr val="lt1"/>
+            </a:fontRef>
+          </p:style>
+          <p:txBody>
+            <a:bodyPr rtlCol="0" anchor="ctr"/>
+            <a:lstStyle/>
+            <a:p>
+              <a:pPr algn="ctr"/>
+              <a:endParaRPr lang="fr-CA"/>
+            </a:p>
+          </p:txBody>
+        </p:sp>
+        <p:sp>
+          <p:nvSpPr>
+            <p:cNvPr id="8" name="Rectangle : coins arrondis 7">
+              <a:extLst>
+                <a:ext uri="{FF2B5EF4-FFF2-40B4-BE49-F238E27FC236}">
+                  <a16:creationId xmlns:a16="http://schemas.microsoft.com/office/drawing/2014/main" id="{0DCDAB61-B36B-490E-9D25-642E61706328}"/>
+                </a:ext>
+              </a:extLst>
+            </p:cNvPr>
+            <p:cNvSpPr/>
+            <p:nvPr/>
+          </p:nvSpPr>
+          <p:spPr>
+            <a:xfrm>
+              <a:off x="3690851" y="3259453"/>
+              <a:ext cx="2851265" cy="339093"/>
+            </a:xfrm>
+            <a:prstGeom prst="roundRect">
+              <a:avLst/>
+            </a:prstGeom>
+            <a:noFill/>
+            <a:ln w="28575">
+              <a:solidFill>
+                <a:schemeClr val="accent1"/>
+              </a:solidFill>
+            </a:ln>
+          </p:spPr>
+          <p:style>
+            <a:lnRef idx="2">
+              <a:schemeClr val="accent1">
+                <a:shade val="50000"/>
+              </a:schemeClr>
+            </a:lnRef>
+            <a:fillRef idx="1">
+              <a:schemeClr val="accent1"/>
+            </a:fillRef>
+            <a:effectRef idx="0">
+              <a:schemeClr val="accent1"/>
+            </a:effectRef>
+            <a:fontRef idx="minor">
+              <a:schemeClr val="lt1"/>
+            </a:fontRef>
+          </p:style>
+          <p:txBody>
+            <a:bodyPr rtlCol="0" anchor="ctr"/>
+            <a:lstStyle/>
+            <a:p>
+              <a:pPr algn="ctr"/>
+              <a:endParaRPr lang="fr-CA"/>
+            </a:p>
+          </p:txBody>
+        </p:sp>
+        <p:sp>
+          <p:nvSpPr>
+            <p:cNvPr id="11" name="Rectangle : coins arrondis 10">
+              <a:extLst>
+                <a:ext uri="{FF2B5EF4-FFF2-40B4-BE49-F238E27FC236}">
+                  <a16:creationId xmlns:a16="http://schemas.microsoft.com/office/drawing/2014/main" id="{6D20274C-9785-44A0-9AD0-A2C90ED7F3C1}"/>
+                </a:ext>
+              </a:extLst>
+            </p:cNvPr>
+            <p:cNvSpPr/>
+            <p:nvPr/>
+          </p:nvSpPr>
+          <p:spPr>
+            <a:xfrm>
+              <a:off x="349135" y="619642"/>
+              <a:ext cx="1695796" cy="261508"/>
+            </a:xfrm>
+            <a:prstGeom prst="roundRect">
+              <a:avLst/>
+            </a:prstGeom>
+            <a:noFill/>
+            <a:ln w="28575">
+              <a:solidFill>
+                <a:schemeClr val="accent1"/>
+              </a:solidFill>
+            </a:ln>
+          </p:spPr>
+          <p:style>
+            <a:lnRef idx="2">
+              <a:schemeClr val="accent1">
+                <a:shade val="50000"/>
+              </a:schemeClr>
+            </a:lnRef>
+            <a:fillRef idx="1">
+              <a:schemeClr val="accent1"/>
+            </a:fillRef>
+            <a:effectRef idx="0">
+              <a:schemeClr val="accent1"/>
+            </a:effectRef>
+            <a:fontRef idx="minor">
+              <a:schemeClr val="lt1"/>
+            </a:fontRef>
+          </p:style>
+          <p:txBody>
+            <a:bodyPr rtlCol="0" anchor="ctr"/>
+            <a:lstStyle/>
+            <a:p>
+              <a:pPr algn="ctr"/>
+              <a:endParaRPr lang="fr-CA"/>
+            </a:p>
+          </p:txBody>
+        </p:sp>
+      </p:grpSp>
     </p:spTree>
     <p:extLst>
       <p:ext uri="{BB962C8B-B14F-4D97-AF65-F5344CB8AC3E}">
-        <p14:creationId xmlns:p14="http://schemas.microsoft.com/office/powerpoint/2010/main" val="2267063298"/>
+        <p14:creationId xmlns:p14="http://schemas.microsoft.com/office/powerpoint/2010/main" val="4270736653"/>
       </p:ext>
     </p:extLst>
   </p:cSld>
@@ -4266,48 +5588,19 @@
           <a:chExt cx="0" cy="0"/>
         </a:xfrm>
       </p:grpSpPr>
-      <p:sp>
-        <p:nvSpPr>
-          <p:cNvPr id="2" name="Titre 1">
-            <a:extLst>
-              <a:ext uri="{FF2B5EF4-FFF2-40B4-BE49-F238E27FC236}">
-                <a16:creationId xmlns:a16="http://schemas.microsoft.com/office/drawing/2014/main" id="{58F463A8-D4B7-46F5-8624-901CCBADF8CA}"/>
-              </a:ext>
-            </a:extLst>
-          </p:cNvPr>
-          <p:cNvSpPr>
-            <a:spLocks noGrp="1"/>
-          </p:cNvSpPr>
-          <p:nvPr>
-            <p:ph type="title"/>
-          </p:nvPr>
-        </p:nvSpPr>
-        <p:spPr/>
-        <p:txBody>
-          <a:bodyPr>
-            <a:normAutofit/>
-          </a:bodyPr>
-          <a:lstStyle/>
-          <a:p>
-            <a:endParaRPr lang="fr-CA"/>
-          </a:p>
-        </p:txBody>
-      </p:sp>
       <p:pic>
         <p:nvPicPr>
-          <p:cNvPr id="5" name="Espace réservé du contenu 4">
-            <a:extLst>
-              <a:ext uri="{FF2B5EF4-FFF2-40B4-BE49-F238E27FC236}">
-                <a16:creationId xmlns:a16="http://schemas.microsoft.com/office/drawing/2014/main" id="{BAA68538-BEA4-4352-B4AE-0C771A531169}"/>
+          <p:cNvPr id="2" name="Image 1">
+            <a:extLst>
+              <a:ext uri="{FF2B5EF4-FFF2-40B4-BE49-F238E27FC236}">
+                <a16:creationId xmlns:a16="http://schemas.microsoft.com/office/drawing/2014/main" id="{B707CBE7-68DE-4A13-8DE7-7D708B4DAFE5}"/>
               </a:ext>
             </a:extLst>
           </p:cNvPr>
           <p:cNvPicPr>
-            <a:picLocks noGrp="1" noChangeAspect="1"/>
+            <a:picLocks noChangeAspect="1"/>
           </p:cNvPicPr>
-          <p:nvPr>
-            <p:ph idx="1"/>
-          </p:nvPr>
+          <p:nvPr/>
         </p:nvPicPr>
         <p:blipFill>
           <a:blip r:embed="rId2"/>
@@ -4317,75 +5610,163 @@
         </p:blipFill>
         <p:spPr>
           <a:xfrm>
-            <a:off x="7708777" y="2249243"/>
-            <a:ext cx="3645023" cy="3710197"/>
-          </a:xfrm>
-        </p:spPr>
-      </p:pic>
-      <p:pic>
-        <p:nvPicPr>
-          <p:cNvPr id="7" name="Image 6">
-            <a:extLst>
-              <a:ext uri="{FF2B5EF4-FFF2-40B4-BE49-F238E27FC236}">
-                <a16:creationId xmlns:a16="http://schemas.microsoft.com/office/drawing/2014/main" id="{111F6B97-8AD0-4DB7-BD5B-D52D015578A9}"/>
-              </a:ext>
-            </a:extLst>
-          </p:cNvPr>
-          <p:cNvPicPr>
-            <a:picLocks noChangeAspect="1"/>
-          </p:cNvPicPr>
-          <p:nvPr/>
-        </p:nvPicPr>
-        <p:blipFill>
-          <a:blip r:embed="rId3"/>
-          <a:stretch>
-            <a:fillRect/>
-          </a:stretch>
-        </p:blipFill>
-        <p:spPr>
-          <a:xfrm>
-            <a:off x="2774575" y="3702601"/>
-            <a:ext cx="5041502" cy="3098623"/>
+            <a:off x="465939" y="204337"/>
+            <a:ext cx="11260121" cy="6449325"/>
           </a:xfrm>
           <a:prstGeom prst="rect">
             <a:avLst/>
           </a:prstGeom>
         </p:spPr>
       </p:pic>
-      <p:pic>
-        <p:nvPicPr>
-          <p:cNvPr id="3" name="Image 2">
-            <a:extLst>
-              <a:ext uri="{FF2B5EF4-FFF2-40B4-BE49-F238E27FC236}">
-                <a16:creationId xmlns:a16="http://schemas.microsoft.com/office/drawing/2014/main" id="{742571D8-7669-4536-9218-204D19EAABB8}"/>
-              </a:ext>
-            </a:extLst>
-          </p:cNvPr>
-          <p:cNvPicPr>
-            <a:picLocks noChangeAspect="1"/>
-          </p:cNvPicPr>
+      <p:sp>
+        <p:nvSpPr>
+          <p:cNvPr id="3" name="Rectangle : coins arrondis 2">
+            <a:extLst>
+              <a:ext uri="{FF2B5EF4-FFF2-40B4-BE49-F238E27FC236}">
+                <a16:creationId xmlns:a16="http://schemas.microsoft.com/office/drawing/2014/main" id="{CDA1E36B-2E8D-49D2-A4E7-66745C3BDC56}"/>
+              </a:ext>
+            </a:extLst>
+          </p:cNvPr>
+          <p:cNvSpPr/>
           <p:nvPr/>
-        </p:nvPicPr>
-        <p:blipFill>
-          <a:blip r:embed="rId4"/>
-          <a:stretch>
-            <a:fillRect/>
-          </a:stretch>
-        </p:blipFill>
+        </p:nvSpPr>
         <p:spPr>
           <a:xfrm>
-            <a:off x="1316304" y="812800"/>
-            <a:ext cx="4492826" cy="2768743"/>
-          </a:xfrm>
-          <a:prstGeom prst="rect">
+            <a:off x="7222837" y="3838052"/>
+            <a:ext cx="4198850" cy="600944"/>
+          </a:xfrm>
+          <a:prstGeom prst="roundRect">
             <a:avLst/>
           </a:prstGeom>
-        </p:spPr>
-      </p:pic>
+          <a:noFill/>
+          <a:ln w="28575">
+            <a:solidFill>
+              <a:schemeClr val="accent1"/>
+            </a:solidFill>
+          </a:ln>
+        </p:spPr>
+        <p:style>
+          <a:lnRef idx="2">
+            <a:schemeClr val="accent1">
+              <a:shade val="50000"/>
+            </a:schemeClr>
+          </a:lnRef>
+          <a:fillRef idx="1">
+            <a:schemeClr val="accent1"/>
+          </a:fillRef>
+          <a:effectRef idx="0">
+            <a:schemeClr val="accent1"/>
+          </a:effectRef>
+          <a:fontRef idx="minor">
+            <a:schemeClr val="lt1"/>
+          </a:fontRef>
+        </p:style>
+        <p:txBody>
+          <a:bodyPr rtlCol="0" anchor="ctr"/>
+          <a:lstStyle/>
+          <a:p>
+            <a:pPr algn="ctr"/>
+            <a:endParaRPr lang="fr-CA"/>
+          </a:p>
+        </p:txBody>
+      </p:sp>
+      <p:sp>
+        <p:nvSpPr>
+          <p:cNvPr id="4" name="Rectangle : coins arrondis 3">
+            <a:extLst>
+              <a:ext uri="{FF2B5EF4-FFF2-40B4-BE49-F238E27FC236}">
+                <a16:creationId xmlns:a16="http://schemas.microsoft.com/office/drawing/2014/main" id="{A2B13327-CA85-4A43-8B76-5FBBC664692E}"/>
+              </a:ext>
+            </a:extLst>
+          </p:cNvPr>
+          <p:cNvSpPr/>
+          <p:nvPr/>
+        </p:nvSpPr>
+        <p:spPr>
+          <a:xfrm>
+            <a:off x="741681" y="6193325"/>
+            <a:ext cx="2708101" cy="365417"/>
+          </a:xfrm>
+          <a:prstGeom prst="roundRect">
+            <a:avLst/>
+          </a:prstGeom>
+          <a:noFill/>
+          <a:ln w="28575">
+            <a:solidFill>
+              <a:schemeClr val="accent1"/>
+            </a:solidFill>
+          </a:ln>
+        </p:spPr>
+        <p:style>
+          <a:lnRef idx="2">
+            <a:schemeClr val="accent1">
+              <a:shade val="50000"/>
+            </a:schemeClr>
+          </a:lnRef>
+          <a:fillRef idx="1">
+            <a:schemeClr val="accent1"/>
+          </a:fillRef>
+          <a:effectRef idx="0">
+            <a:schemeClr val="accent1"/>
+          </a:effectRef>
+          <a:fontRef idx="minor">
+            <a:schemeClr val="lt1"/>
+          </a:fontRef>
+        </p:style>
+        <p:txBody>
+          <a:bodyPr rtlCol="0" anchor="ctr"/>
+          <a:lstStyle/>
+          <a:p>
+            <a:pPr algn="ctr"/>
+            <a:endParaRPr lang="fr-CA"/>
+          </a:p>
+        </p:txBody>
+      </p:sp>
+      <p:cxnSp>
+        <p:nvCxnSpPr>
+          <p:cNvPr id="5" name="Connecteur droit avec flèche 4">
+            <a:extLst>
+              <a:ext uri="{FF2B5EF4-FFF2-40B4-BE49-F238E27FC236}">
+                <a16:creationId xmlns:a16="http://schemas.microsoft.com/office/drawing/2014/main" id="{75BB7EDD-8817-4097-9C15-B3385E694E0A}"/>
+              </a:ext>
+            </a:extLst>
+          </p:cNvPr>
+          <p:cNvCxnSpPr>
+            <a:cxnSpLocks/>
+          </p:cNvCxnSpPr>
+          <p:nvPr/>
+        </p:nvCxnSpPr>
+        <p:spPr>
+          <a:xfrm flipV="1">
+            <a:off x="3549534" y="3308465"/>
+            <a:ext cx="1920241" cy="3067568"/>
+          </a:xfrm>
+          <a:prstGeom prst="straightConnector1">
+            <a:avLst/>
+          </a:prstGeom>
+          <a:ln w="57150">
+            <a:tailEnd type="triangle"/>
+          </a:ln>
+        </p:spPr>
+        <p:style>
+          <a:lnRef idx="1">
+            <a:schemeClr val="accent1"/>
+          </a:lnRef>
+          <a:fillRef idx="0">
+            <a:schemeClr val="accent1"/>
+          </a:fillRef>
+          <a:effectRef idx="0">
+            <a:schemeClr val="accent1"/>
+          </a:effectRef>
+          <a:fontRef idx="minor">
+            <a:schemeClr val="tx1"/>
+          </a:fontRef>
+        </p:style>
+      </p:cxnSp>
     </p:spTree>
     <p:extLst>
       <p:ext uri="{BB962C8B-B14F-4D97-AF65-F5344CB8AC3E}">
-        <p14:creationId xmlns:p14="http://schemas.microsoft.com/office/powerpoint/2010/main" val="2808953006"/>
+        <p14:creationId xmlns:p14="http://schemas.microsoft.com/office/powerpoint/2010/main" val="2069457041"/>
       </p:ext>
     </p:extLst>
   </p:cSld>
@@ -4412,64 +5793,12 @@
           <a:chExt cx="0" cy="0"/>
         </a:xfrm>
       </p:grpSpPr>
-      <p:sp>
-        <p:nvSpPr>
-          <p:cNvPr id="4" name="Espace réservé du contenu 3">
-            <a:extLst>
-              <a:ext uri="{FF2B5EF4-FFF2-40B4-BE49-F238E27FC236}">
-                <a16:creationId xmlns:a16="http://schemas.microsoft.com/office/drawing/2014/main" id="{5713BB6B-726A-4859-9A8C-68C5F1D75E77}"/>
-              </a:ext>
-            </a:extLst>
-          </p:cNvPr>
-          <p:cNvSpPr>
-            <a:spLocks noGrp="1"/>
-          </p:cNvSpPr>
-          <p:nvPr>
-            <p:ph idx="1"/>
-          </p:nvPr>
-        </p:nvSpPr>
-        <p:spPr/>
-        <p:txBody>
-          <a:bodyPr/>
-          <a:lstStyle/>
-          <a:p>
-            <a:endParaRPr lang="fr-CA" dirty="0"/>
-          </a:p>
-        </p:txBody>
-      </p:sp>
-      <p:sp>
-        <p:nvSpPr>
-          <p:cNvPr id="2" name="Titre 1">
-            <a:extLst>
-              <a:ext uri="{FF2B5EF4-FFF2-40B4-BE49-F238E27FC236}">
-                <a16:creationId xmlns:a16="http://schemas.microsoft.com/office/drawing/2014/main" id="{0D132433-90CB-48E9-8EF8-9450251D1DC3}"/>
-              </a:ext>
-            </a:extLst>
-          </p:cNvPr>
-          <p:cNvSpPr>
-            <a:spLocks noGrp="1"/>
-          </p:cNvSpPr>
-          <p:nvPr>
-            <p:ph type="title"/>
-          </p:nvPr>
-        </p:nvSpPr>
-        <p:spPr/>
-        <p:txBody>
-          <a:bodyPr>
-            <a:normAutofit/>
-          </a:bodyPr>
-          <a:lstStyle/>
-          <a:p>
-            <a:endParaRPr lang="fr-CA"/>
-          </a:p>
-        </p:txBody>
-      </p:sp>
       <p:pic>
         <p:nvPicPr>
-          <p:cNvPr id="9" name="Image 8">
-            <a:extLst>
-              <a:ext uri="{FF2B5EF4-FFF2-40B4-BE49-F238E27FC236}">
-                <a16:creationId xmlns:a16="http://schemas.microsoft.com/office/drawing/2014/main" id="{AE3ACD6B-42DB-460E-ABE4-37920B2B700D}"/>
+          <p:cNvPr id="2" name="Image 1">
+            <a:extLst>
+              <a:ext uri="{FF2B5EF4-FFF2-40B4-BE49-F238E27FC236}">
+                <a16:creationId xmlns:a16="http://schemas.microsoft.com/office/drawing/2014/main" id="{6B39F103-13EF-4824-8DF3-A0B592E77950}"/>
               </a:ext>
             </a:extLst>
           </p:cNvPr>
@@ -4486,164 +5815,174 @@
         </p:blipFill>
         <p:spPr>
           <a:xfrm>
-            <a:off x="2043631" y="1885922"/>
-            <a:ext cx="2862060" cy="2993866"/>
+            <a:off x="1443209" y="542522"/>
+            <a:ext cx="8707065" cy="5772956"/>
           </a:xfrm>
           <a:prstGeom prst="rect">
             <a:avLst/>
           </a:prstGeom>
         </p:spPr>
       </p:pic>
-      <p:pic>
-        <p:nvPicPr>
-          <p:cNvPr id="11" name="Image 10" descr="Une image contenant texte, capture d’écran, moniteur, noir&#10;&#10;Description générée automatiquement">
-            <a:extLst>
-              <a:ext uri="{FF2B5EF4-FFF2-40B4-BE49-F238E27FC236}">
-                <a16:creationId xmlns:a16="http://schemas.microsoft.com/office/drawing/2014/main" id="{082B3DEB-225F-4B68-BEE7-2F9127ADD57F}"/>
-              </a:ext>
-            </a:extLst>
-          </p:cNvPr>
-          <p:cNvPicPr>
-            <a:picLocks noChangeAspect="1"/>
-          </p:cNvPicPr>
+      <p:sp>
+        <p:nvSpPr>
+          <p:cNvPr id="3" name="Rectangle : coins arrondis 2">
+            <a:extLst>
+              <a:ext uri="{FF2B5EF4-FFF2-40B4-BE49-F238E27FC236}">
+                <a16:creationId xmlns:a16="http://schemas.microsoft.com/office/drawing/2014/main" id="{F5C4C4DD-1B84-4695-B7A3-B1ADB350E870}"/>
+              </a:ext>
+            </a:extLst>
+          </p:cNvPr>
+          <p:cNvSpPr/>
           <p:nvPr/>
-        </p:nvPicPr>
-        <p:blipFill>
-          <a:blip r:embed="rId3"/>
-          <a:stretch>
-            <a:fillRect/>
-          </a:stretch>
-        </p:blipFill>
+        </p:nvSpPr>
         <p:spPr>
           <a:xfrm>
-            <a:off x="7226544" y="1338729"/>
-            <a:ext cx="2418043" cy="3714938"/>
-          </a:xfrm>
-          <a:prstGeom prst="rect">
+            <a:off x="1679172" y="5889567"/>
+            <a:ext cx="1720733" cy="257695"/>
+          </a:xfrm>
+          <a:prstGeom prst="roundRect">
             <a:avLst/>
           </a:prstGeom>
-        </p:spPr>
-      </p:pic>
+          <a:noFill/>
+          <a:ln w="38100">
+            <a:solidFill>
+              <a:schemeClr val="accent1"/>
+            </a:solidFill>
+          </a:ln>
+        </p:spPr>
+        <p:style>
+          <a:lnRef idx="2">
+            <a:schemeClr val="accent1">
+              <a:shade val="50000"/>
+            </a:schemeClr>
+          </a:lnRef>
+          <a:fillRef idx="1">
+            <a:schemeClr val="accent1"/>
+          </a:fillRef>
+          <a:effectRef idx="0">
+            <a:schemeClr val="accent1"/>
+          </a:effectRef>
+          <a:fontRef idx="minor">
+            <a:schemeClr val="lt1"/>
+          </a:fontRef>
+        </p:style>
+        <p:txBody>
+          <a:bodyPr rtlCol="0" anchor="ctr"/>
+          <a:lstStyle/>
+          <a:p>
+            <a:pPr algn="ctr"/>
+            <a:endParaRPr lang="fr-CA"/>
+          </a:p>
+        </p:txBody>
+      </p:sp>
+      <p:sp>
+        <p:nvSpPr>
+          <p:cNvPr id="4" name="Rectangle : coins arrondis 3">
+            <a:extLst>
+              <a:ext uri="{FF2B5EF4-FFF2-40B4-BE49-F238E27FC236}">
+                <a16:creationId xmlns:a16="http://schemas.microsoft.com/office/drawing/2014/main" id="{34F04D60-0C5E-4BAF-ACC7-D1AF6647FC18}"/>
+              </a:ext>
+            </a:extLst>
+          </p:cNvPr>
+          <p:cNvSpPr/>
+          <p:nvPr/>
+        </p:nvSpPr>
+        <p:spPr>
+          <a:xfrm>
+            <a:off x="7317973" y="2808317"/>
+            <a:ext cx="404552" cy="250768"/>
+          </a:xfrm>
+          <a:prstGeom prst="roundRect">
+            <a:avLst/>
+          </a:prstGeom>
+          <a:noFill/>
+          <a:ln w="38100">
+            <a:solidFill>
+              <a:schemeClr val="accent1"/>
+            </a:solidFill>
+          </a:ln>
+        </p:spPr>
+        <p:style>
+          <a:lnRef idx="2">
+            <a:schemeClr val="accent1">
+              <a:shade val="50000"/>
+            </a:schemeClr>
+          </a:lnRef>
+          <a:fillRef idx="1">
+            <a:schemeClr val="accent1"/>
+          </a:fillRef>
+          <a:effectRef idx="0">
+            <a:schemeClr val="accent1"/>
+          </a:effectRef>
+          <a:fontRef idx="minor">
+            <a:schemeClr val="lt1"/>
+          </a:fontRef>
+        </p:style>
+        <p:txBody>
+          <a:bodyPr rtlCol="0" anchor="ctr"/>
+          <a:lstStyle/>
+          <a:p>
+            <a:pPr algn="ctr"/>
+            <a:endParaRPr lang="fr-CA"/>
+          </a:p>
+        </p:txBody>
+      </p:sp>
+      <p:sp>
+        <p:nvSpPr>
+          <p:cNvPr id="5" name="Rectangle : coins arrondis 4">
+            <a:extLst>
+              <a:ext uri="{FF2B5EF4-FFF2-40B4-BE49-F238E27FC236}">
+                <a16:creationId xmlns:a16="http://schemas.microsoft.com/office/drawing/2014/main" id="{5D7E6843-4800-4716-AA56-A06CD14F6D38}"/>
+              </a:ext>
+            </a:extLst>
+          </p:cNvPr>
+          <p:cNvSpPr/>
+          <p:nvPr/>
+        </p:nvSpPr>
+        <p:spPr>
+          <a:xfrm>
+            <a:off x="7317972" y="4028133"/>
+            <a:ext cx="2832301" cy="250768"/>
+          </a:xfrm>
+          <a:prstGeom prst="roundRect">
+            <a:avLst/>
+          </a:prstGeom>
+          <a:noFill/>
+          <a:ln w="38100">
+            <a:solidFill>
+              <a:schemeClr val="accent1"/>
+            </a:solidFill>
+          </a:ln>
+        </p:spPr>
+        <p:style>
+          <a:lnRef idx="2">
+            <a:schemeClr val="accent1">
+              <a:shade val="50000"/>
+            </a:schemeClr>
+          </a:lnRef>
+          <a:fillRef idx="1">
+            <a:schemeClr val="accent1"/>
+          </a:fillRef>
+          <a:effectRef idx="0">
+            <a:schemeClr val="accent1"/>
+          </a:effectRef>
+          <a:fontRef idx="minor">
+            <a:schemeClr val="lt1"/>
+          </a:fontRef>
+        </p:style>
+        <p:txBody>
+          <a:bodyPr rtlCol="0" anchor="ctr"/>
+          <a:lstStyle/>
+          <a:p>
+            <a:pPr algn="ctr"/>
+            <a:endParaRPr lang="fr-CA"/>
+          </a:p>
+        </p:txBody>
+      </p:sp>
     </p:spTree>
     <p:extLst>
       <p:ext uri="{BB962C8B-B14F-4D97-AF65-F5344CB8AC3E}">
-        <p14:creationId xmlns:p14="http://schemas.microsoft.com/office/powerpoint/2010/main" val="3810122270"/>
-      </p:ext>
-    </p:extLst>
-  </p:cSld>
-  <p:clrMapOvr>
-    <a:masterClrMapping/>
-  </p:clrMapOvr>
-</p:sld>
-</file>
-
-<file path=ppt/slides/slide9.xml><?xml version="1.0" encoding="utf-8"?>
-<p:sld xmlns:a="http://schemas.openxmlformats.org/drawingml/2006/main" xmlns:r="http://schemas.openxmlformats.org/officeDocument/2006/relationships" xmlns:p="http://schemas.openxmlformats.org/presentationml/2006/main">
-  <p:cSld>
-    <p:spTree>
-      <p:nvGrpSpPr>
-        <p:cNvPr id="1" name=""/>
-        <p:cNvGrpSpPr/>
-        <p:nvPr/>
-      </p:nvGrpSpPr>
-      <p:grpSpPr>
-        <a:xfrm>
-          <a:off x="0" y="0"/>
-          <a:ext cx="0" cy="0"/>
-          <a:chOff x="0" y="0"/>
-          <a:chExt cx="0" cy="0"/>
-        </a:xfrm>
-      </p:grpSpPr>
-      <p:sp>
-        <p:nvSpPr>
-          <p:cNvPr id="2" name="Titre 1">
-            <a:extLst>
-              <a:ext uri="{FF2B5EF4-FFF2-40B4-BE49-F238E27FC236}">
-                <a16:creationId xmlns:a16="http://schemas.microsoft.com/office/drawing/2014/main" id="{0D132433-90CB-48E9-8EF8-9450251D1DC3}"/>
-              </a:ext>
-            </a:extLst>
-          </p:cNvPr>
-          <p:cNvSpPr>
-            <a:spLocks noGrp="1"/>
-          </p:cNvSpPr>
-          <p:nvPr>
-            <p:ph type="title"/>
-          </p:nvPr>
-        </p:nvSpPr>
-        <p:spPr/>
-        <p:txBody>
-          <a:bodyPr>
-            <a:normAutofit/>
-          </a:bodyPr>
-          <a:lstStyle/>
-          <a:p>
-            <a:endParaRPr lang="fr-CA"/>
-          </a:p>
-        </p:txBody>
-      </p:sp>
-      <p:pic>
-        <p:nvPicPr>
-          <p:cNvPr id="5" name="Espace réservé du contenu 4" descr="Une image contenant texte&#10;&#10;Description générée automatiquement">
-            <a:extLst>
-              <a:ext uri="{FF2B5EF4-FFF2-40B4-BE49-F238E27FC236}">
-                <a16:creationId xmlns:a16="http://schemas.microsoft.com/office/drawing/2014/main" id="{9EE7A8B8-163E-4279-9C06-BEA2F149CD0F}"/>
-              </a:ext>
-            </a:extLst>
-          </p:cNvPr>
-          <p:cNvPicPr>
-            <a:picLocks noGrp="1" noChangeAspect="1"/>
-          </p:cNvPicPr>
-          <p:nvPr>
-            <p:ph idx="1"/>
-          </p:nvPr>
-        </p:nvPicPr>
-        <p:blipFill>
-          <a:blip r:embed="rId2"/>
-          <a:stretch>
-            <a:fillRect/>
-          </a:stretch>
-        </p:blipFill>
-        <p:spPr>
-          <a:xfrm>
-            <a:off x="5149381" y="1270000"/>
-            <a:ext cx="1893237" cy="4906963"/>
-          </a:xfrm>
-        </p:spPr>
-      </p:pic>
-      <p:pic>
-        <p:nvPicPr>
-          <p:cNvPr id="7" name="Image 6">
-            <a:extLst>
-              <a:ext uri="{FF2B5EF4-FFF2-40B4-BE49-F238E27FC236}">
-                <a16:creationId xmlns:a16="http://schemas.microsoft.com/office/drawing/2014/main" id="{D06E36A2-8685-4FEA-91BD-C44DA3811EA9}"/>
-              </a:ext>
-            </a:extLst>
-          </p:cNvPr>
-          <p:cNvPicPr>
-            <a:picLocks noChangeAspect="1"/>
-          </p:cNvPicPr>
-          <p:nvPr/>
-        </p:nvPicPr>
-        <p:blipFill>
-          <a:blip r:embed="rId3"/>
-          <a:stretch>
-            <a:fillRect/>
-          </a:stretch>
-        </p:blipFill>
-        <p:spPr>
-          <a:xfrm>
-            <a:off x="1052384" y="1338729"/>
-            <a:ext cx="3569932" cy="3371312"/>
-          </a:xfrm>
-          <a:prstGeom prst="rect">
-            <a:avLst/>
-          </a:prstGeom>
-        </p:spPr>
-      </p:pic>
-    </p:spTree>
-    <p:extLst>
-      <p:ext uri="{BB962C8B-B14F-4D97-AF65-F5344CB8AC3E}">
-        <p14:creationId xmlns:p14="http://schemas.microsoft.com/office/powerpoint/2010/main" val="265180540"/>
+        <p14:creationId xmlns:p14="http://schemas.microsoft.com/office/powerpoint/2010/main" val="2047569096"/>
       </p:ext>
     </p:extLst>
   </p:cSld>
@@ -4656,7 +5995,7 @@
 <file path=ppt/theme/theme1.xml><?xml version="1.0" encoding="utf-8"?>
 <a:theme xmlns:a="http://schemas.openxmlformats.org/drawingml/2006/main" name="Thème Office">
   <a:themeElements>
-    <a:clrScheme name="Office">
+    <a:clrScheme name="Rouge violet">
       <a:dk1>
         <a:sysClr val="windowText" lastClr="000000"/>
       </a:dk1>
@@ -4664,34 +6003,34 @@
         <a:sysClr val="window" lastClr="FFFFFF"/>
       </a:lt1>
       <a:dk2>
-        <a:srgbClr val="44546A"/>
+        <a:srgbClr val="454551"/>
       </a:dk2>
       <a:lt2>
-        <a:srgbClr val="E7E6E6"/>
+        <a:srgbClr val="D8D9DC"/>
       </a:lt2>
       <a:accent1>
-        <a:srgbClr val="4472C4"/>
+        <a:srgbClr val="E32D91"/>
       </a:accent1>
       <a:accent2>
-        <a:srgbClr val="ED7D31"/>
+        <a:srgbClr val="C830CC"/>
       </a:accent2>
       <a:accent3>
-        <a:srgbClr val="A5A5A5"/>
+        <a:srgbClr val="4EA6DC"/>
       </a:accent3>
       <a:accent4>
-        <a:srgbClr val="FFC000"/>
+        <a:srgbClr val="4775E7"/>
       </a:accent4>
       <a:accent5>
-        <a:srgbClr val="5B9BD5"/>
+        <a:srgbClr val="8971E1"/>
       </a:accent5>
       <a:accent6>
-        <a:srgbClr val="70AD47"/>
+        <a:srgbClr val="D54773"/>
       </a:accent6>
       <a:hlink>
-        <a:srgbClr val="0563C1"/>
+        <a:srgbClr val="6B9F25"/>
       </a:hlink>
       <a:folHlink>
-        <a:srgbClr val="954F72"/>
+        <a:srgbClr val="8C8C8C"/>
       </a:folHlink>
     </a:clrScheme>
     <a:fontScheme name="Office">
